--- a/Offline/BusinessManagement/CRM/AI Junior Demo.pptx
+++ b/Offline/BusinessManagement/CRM/AI Junior Demo.pptx
@@ -3607,7 +3607,7 @@
           <p:cNvPr id="3" name="Picture 2">
             <a:extLst>
               <a:ext uri="{FF2B5EF4-FFF2-40B4-BE49-F238E27FC236}">
-                <a16:creationId xmlns="" xmlns:a16="http://schemas.microsoft.com/office/drawing/2014/main" id="{31F8CF0C-2DF4-F956-D9BD-6BF59F67AFDA}"/>
+                <a16:creationId xmlns:a16="http://schemas.microsoft.com/office/drawing/2014/main" xmlns="" id="{31F8CF0C-2DF4-F956-D9BD-6BF59F67AFDA}"/>
               </a:ext>
             </a:extLst>
           </p:cNvPr>
@@ -3794,42 +3794,6 @@
           </a:p>
         </p:txBody>
       </p:sp>
-      <p:pic>
-        <p:nvPicPr>
-          <p:cNvPr id="3" name="Picture 2">
-            <a:extLst>
-              <a:ext uri="{FF2B5EF4-FFF2-40B4-BE49-F238E27FC236}">
-                <a16:creationId xmlns="" xmlns:a16="http://schemas.microsoft.com/office/drawing/2014/main" id="{31F8CF0C-2DF4-F956-D9BD-6BF59F67AFDA}"/>
-              </a:ext>
-            </a:extLst>
-          </p:cNvPr>
-          <p:cNvPicPr>
-            <a:picLocks noChangeAspect="1"/>
-          </p:cNvPicPr>
-          <p:nvPr/>
-        </p:nvPicPr>
-        <p:blipFill>
-          <a:blip r:embed="rId4">
-            <a:extLst>
-              <a:ext uri="{28A0092B-C50C-407E-A947-70E740481C1C}">
-                <a14:useLocalDpi xmlns:a14="http://schemas.microsoft.com/office/drawing/2010/main" val="0"/>
-              </a:ext>
-            </a:extLst>
-          </a:blip>
-          <a:stretch>
-            <a:fillRect/>
-          </a:stretch>
-        </p:blipFill>
-        <p:spPr>
-          <a:xfrm>
-            <a:off x="182142" y="119604"/>
-            <a:ext cx="3190786" cy="1549812"/>
-          </a:xfrm>
-          <a:prstGeom prst="rect">
-            <a:avLst/>
-          </a:prstGeom>
-        </p:spPr>
-      </p:pic>
     </p:spTree>
     <p:extLst>
       <p:ext uri="{BB962C8B-B14F-4D97-AF65-F5344CB8AC3E}">
@@ -4107,15 +4071,7 @@
                   <a:schemeClr val="bg1"/>
                 </a:solidFill>
               </a:rPr>
-              <a:t>AI </a:t>
-            </a:r>
-            <a:r>
-              <a:rPr lang="en-US" sz="2800" dirty="0" smtClean="0">
-                <a:solidFill>
-                  <a:schemeClr val="bg1"/>
-                </a:solidFill>
-              </a:rPr>
-              <a:t>PROFESSIONALS ARE SOUGHT AFTER ALL OVER THE WORLD</a:t>
+              <a:t>AI PROFESSIONALS ARE SOUGHT AFTER ALL OVER THE WORLD</a:t>
             </a:r>
             <a:endParaRPr lang="en-AU" sz="2800" dirty="0">
               <a:solidFill>
@@ -4915,7 +4871,7 @@
           </p:blipFill>
           <p:spPr>
             <a:xfrm>
-              <a:off x="1609860" y="2522988"/>
+              <a:off x="3106762" y="2532444"/>
               <a:ext cx="1080843" cy="379041"/>
             </a:xfrm>
             <a:prstGeom prst="rect">
@@ -4939,7 +4895,7 @@
           </p:blipFill>
           <p:spPr>
             <a:xfrm>
-              <a:off x="3730078" y="2999202"/>
+              <a:off x="1767260" y="2459458"/>
               <a:ext cx="952298" cy="535668"/>
             </a:xfrm>
             <a:prstGeom prst="rect">
@@ -4963,7 +4919,7 @@
           </p:blipFill>
           <p:spPr>
             <a:xfrm>
-              <a:off x="3086644" y="2438809"/>
+              <a:off x="3798210" y="3011000"/>
               <a:ext cx="1094798" cy="547399"/>
             </a:xfrm>
             <a:prstGeom prst="rect">
@@ -5022,9 +4978,7 @@
             <a:r>
               <a:rPr lang="en-US" sz="2800" b="1" cap="none" spc="0" dirty="0" smtClean="0">
                 <a:ln w="6600">
-                  <a:solidFill>
-                    <a:schemeClr val="accent2"/>
-                  </a:solidFill>
+                  <a:noFill/>
                   <a:prstDash val="solid"/>
                 </a:ln>
                 <a:solidFill>
@@ -5040,9 +4994,7 @@
             </a:r>
             <a:endParaRPr lang="en-US" sz="2800" b="1" cap="none" spc="0" dirty="0">
               <a:ln w="6600">
-                <a:solidFill>
-                  <a:schemeClr val="accent2"/>
-                </a:solidFill>
+                <a:noFill/>
                 <a:prstDash val="solid"/>
               </a:ln>
               <a:solidFill>

--- a/Offline/BusinessManagement/CRM/AI Junior Demo.pptx
+++ b/Offline/BusinessManagement/CRM/AI Junior Demo.pptx
@@ -3607,7 +3607,7 @@
           <p:cNvPr id="3" name="Picture 2">
             <a:extLst>
               <a:ext uri="{FF2B5EF4-FFF2-40B4-BE49-F238E27FC236}">
-                <a16:creationId xmlns:a16="http://schemas.microsoft.com/office/drawing/2014/main" xmlns="" id="{31F8CF0C-2DF4-F956-D9BD-6BF59F67AFDA}"/>
+                <a16:creationId xmlns="" xmlns:a16="http://schemas.microsoft.com/office/drawing/2014/main" id="{31F8CF0C-2DF4-F956-D9BD-6BF59F67AFDA}"/>
               </a:ext>
             </a:extLst>
           </p:cNvPr>
@@ -4982,13 +4982,8 @@
                   <a:prstDash val="solid"/>
                 </a:ln>
                 <a:solidFill>
-                  <a:srgbClr val="663300"/>
+                  <a:srgbClr val="C00000"/>
                 </a:solidFill>
-                <a:effectLst>
-                  <a:outerShdw dist="38100" dir="2700000" algn="tl" rotWithShape="0">
-                    <a:schemeClr val="accent2"/>
-                  </a:outerShdw>
-                </a:effectLst>
               </a:rPr>
               <a:t>UNVEIL AI WITH US</a:t>
             </a:r>
@@ -4998,13 +4993,8 @@
                 <a:prstDash val="solid"/>
               </a:ln>
               <a:solidFill>
-                <a:srgbClr val="663300"/>
+                <a:srgbClr val="C00000"/>
               </a:solidFill>
-              <a:effectLst>
-                <a:outerShdw dist="38100" dir="2700000" algn="tl" rotWithShape="0">
-                  <a:schemeClr val="accent2"/>
-                </a:outerShdw>
-              </a:effectLst>
             </a:endParaRPr>
           </a:p>
         </p:txBody>

--- a/Offline/BusinessManagement/CRM/AI Junior Demo.pptx
+++ b/Offline/BusinessManagement/CRM/AI Junior Demo.pptx
@@ -5,14 +5,21 @@
     <p:sldMasterId id="2147483672" r:id="rId1"/>
   </p:sldMasterIdLst>
   <p:notesMasterIdLst>
-    <p:notesMasterId r:id="rId7"/>
+    <p:notesMasterId r:id="rId14"/>
   </p:notesMasterIdLst>
   <p:sldIdLst>
     <p:sldId id="258" r:id="rId2"/>
     <p:sldId id="260" r:id="rId3"/>
-    <p:sldId id="261" r:id="rId4"/>
-    <p:sldId id="262" r:id="rId5"/>
-    <p:sldId id="263" r:id="rId6"/>
+    <p:sldId id="264" r:id="rId4"/>
+    <p:sldId id="265" r:id="rId5"/>
+    <p:sldId id="266" r:id="rId6"/>
+    <p:sldId id="267" r:id="rId7"/>
+    <p:sldId id="268" r:id="rId8"/>
+    <p:sldId id="269" r:id="rId9"/>
+    <p:sldId id="263" r:id="rId10"/>
+    <p:sldId id="262" r:id="rId11"/>
+    <p:sldId id="261" r:id="rId12"/>
+    <p:sldId id="270" r:id="rId13"/>
   </p:sldIdLst>
   <p:sldSz cx="12192000" cy="6858000"/>
   <p:notesSz cx="6858000" cy="9144000"/>
@@ -265,35 +272,35 @@
           <a:p>
             <a:pPr lvl="0"/>
             <a:r>
-              <a:rPr lang="en-US" smtClean="0"/>
+              <a:rPr lang="en-US"/>
               <a:t>Click to edit Master text styles</a:t>
             </a:r>
           </a:p>
           <a:p>
             <a:pPr lvl="1"/>
             <a:r>
-              <a:rPr lang="en-US" smtClean="0"/>
+              <a:rPr lang="en-US"/>
               <a:t>Second level</a:t>
             </a:r>
           </a:p>
           <a:p>
             <a:pPr lvl="2"/>
             <a:r>
-              <a:rPr lang="en-US" smtClean="0"/>
+              <a:rPr lang="en-US"/>
               <a:t>Third level</a:t>
             </a:r>
           </a:p>
           <a:p>
             <a:pPr lvl="3"/>
             <a:r>
-              <a:rPr lang="en-US" smtClean="0"/>
+              <a:rPr lang="en-US"/>
               <a:t>Fourth level</a:t>
             </a:r>
           </a:p>
           <a:p>
             <a:pPr lvl="4"/>
             <a:r>
-              <a:rPr lang="en-US" smtClean="0"/>
+              <a:rPr lang="en-US"/>
               <a:t>Fifth level</a:t>
             </a:r>
             <a:endParaRPr lang="en-AU"/>
@@ -539,7 +546,7 @@
           <a:p>
             <a:fld id="{6EB2AD56-8D6F-4C11-A7A6-02AA1E988D7F}" type="slidenum">
               <a:rPr lang="en-AU" smtClean="0"/>
-              <a:t>3</a:t>
+              <a:t>11</a:t>
             </a:fld>
             <a:endParaRPr lang="en-AU"/>
           </a:p>
@@ -600,7 +607,7 @@
           </a:lstStyle>
           <a:p>
             <a:r>
-              <a:rPr lang="en-US" smtClean="0"/>
+              <a:rPr lang="en-US"/>
               <a:t>Click to edit Master title style</a:t>
             </a:r>
             <a:endParaRPr lang="en-US" dirty="0"/>
@@ -665,7 +672,7 @@
           </a:lstStyle>
           <a:p>
             <a:r>
-              <a:rPr lang="en-US" smtClean="0"/>
+              <a:rPr lang="en-US"/>
               <a:t>Click to edit Master subtitle style</a:t>
             </a:r>
             <a:endParaRPr lang="en-US" dirty="0"/>
@@ -795,7 +802,7 @@
           <a:lstStyle/>
           <a:p>
             <a:r>
-              <a:rPr lang="en-US" smtClean="0"/>
+              <a:rPr lang="en-US"/>
               <a:t>Click to edit Master title style</a:t>
             </a:r>
             <a:endParaRPr lang="en-US" dirty="0"/>
@@ -819,35 +826,35 @@
           <a:p>
             <a:pPr lvl="0"/>
             <a:r>
-              <a:rPr lang="en-US" smtClean="0"/>
+              <a:rPr lang="en-US"/>
               <a:t>Click to edit Master text styles</a:t>
             </a:r>
           </a:p>
           <a:p>
             <a:pPr lvl="1"/>
             <a:r>
-              <a:rPr lang="en-US" smtClean="0"/>
+              <a:rPr lang="en-US"/>
               <a:t>Second level</a:t>
             </a:r>
           </a:p>
           <a:p>
             <a:pPr lvl="2"/>
             <a:r>
-              <a:rPr lang="en-US" smtClean="0"/>
+              <a:rPr lang="en-US"/>
               <a:t>Third level</a:t>
             </a:r>
           </a:p>
           <a:p>
             <a:pPr lvl="3"/>
             <a:r>
-              <a:rPr lang="en-US" smtClean="0"/>
+              <a:rPr lang="en-US"/>
               <a:t>Fourth level</a:t>
             </a:r>
           </a:p>
           <a:p>
             <a:pPr lvl="4"/>
             <a:r>
-              <a:rPr lang="en-US" smtClean="0"/>
+              <a:rPr lang="en-US"/>
               <a:t>Fifth level</a:t>
             </a:r>
             <a:endParaRPr lang="en-US" dirty="0"/>
@@ -982,7 +989,7 @@
           <a:lstStyle/>
           <a:p>
             <a:r>
-              <a:rPr lang="en-US" smtClean="0"/>
+              <a:rPr lang="en-US"/>
               <a:t>Click to edit Master title style</a:t>
             </a:r>
             <a:endParaRPr lang="en-US" dirty="0"/>
@@ -1011,35 +1018,35 @@
           <a:p>
             <a:pPr lvl="0"/>
             <a:r>
-              <a:rPr lang="en-US" smtClean="0"/>
+              <a:rPr lang="en-US"/>
               <a:t>Click to edit Master text styles</a:t>
             </a:r>
           </a:p>
           <a:p>
             <a:pPr lvl="1"/>
             <a:r>
-              <a:rPr lang="en-US" smtClean="0"/>
+              <a:rPr lang="en-US"/>
               <a:t>Second level</a:t>
             </a:r>
           </a:p>
           <a:p>
             <a:pPr lvl="2"/>
             <a:r>
-              <a:rPr lang="en-US" smtClean="0"/>
+              <a:rPr lang="en-US"/>
               <a:t>Third level</a:t>
             </a:r>
           </a:p>
           <a:p>
             <a:pPr lvl="3"/>
             <a:r>
-              <a:rPr lang="en-US" smtClean="0"/>
+              <a:rPr lang="en-US"/>
               <a:t>Fourth level</a:t>
             </a:r>
           </a:p>
           <a:p>
             <a:pPr lvl="4"/>
             <a:r>
-              <a:rPr lang="en-US" smtClean="0"/>
+              <a:rPr lang="en-US"/>
               <a:t>Fifth level</a:t>
             </a:r>
             <a:endParaRPr lang="en-US" dirty="0"/>
@@ -1169,7 +1176,7 @@
           <a:lstStyle/>
           <a:p>
             <a:r>
-              <a:rPr lang="en-US" smtClean="0"/>
+              <a:rPr lang="en-US"/>
               <a:t>Click to edit Master title style</a:t>
             </a:r>
             <a:endParaRPr lang="en-US" dirty="0"/>
@@ -1193,35 +1200,35 @@
           <a:p>
             <a:pPr lvl="0"/>
             <a:r>
-              <a:rPr lang="en-US" smtClean="0"/>
+              <a:rPr lang="en-US"/>
               <a:t>Click to edit Master text styles</a:t>
             </a:r>
           </a:p>
           <a:p>
             <a:pPr lvl="1"/>
             <a:r>
-              <a:rPr lang="en-US" smtClean="0"/>
+              <a:rPr lang="en-US"/>
               <a:t>Second level</a:t>
             </a:r>
           </a:p>
           <a:p>
             <a:pPr lvl="2"/>
             <a:r>
-              <a:rPr lang="en-US" smtClean="0"/>
+              <a:rPr lang="en-US"/>
               <a:t>Third level</a:t>
             </a:r>
           </a:p>
           <a:p>
             <a:pPr lvl="3"/>
             <a:r>
-              <a:rPr lang="en-US" smtClean="0"/>
+              <a:rPr lang="en-US"/>
               <a:t>Fourth level</a:t>
             </a:r>
           </a:p>
           <a:p>
             <a:pPr lvl="4"/>
             <a:r>
-              <a:rPr lang="en-US" smtClean="0"/>
+              <a:rPr lang="en-US"/>
               <a:t>Fifth level</a:t>
             </a:r>
             <a:endParaRPr lang="en-US" dirty="0"/>
@@ -1360,7 +1367,7 @@
           </a:lstStyle>
           <a:p>
             <a:r>
-              <a:rPr lang="en-US" smtClean="0"/>
+              <a:rPr lang="en-US"/>
               <a:t>Click to edit Master title style</a:t>
             </a:r>
             <a:endParaRPr lang="en-US" dirty="0"/>
@@ -1480,7 +1487,7 @@
           <a:p>
             <a:pPr lvl="0"/>
             <a:r>
-              <a:rPr lang="en-US" smtClean="0"/>
+              <a:rPr lang="en-US"/>
               <a:t>Click to edit Master text styles</a:t>
             </a:r>
           </a:p>
@@ -1609,7 +1616,7 @@
           <a:lstStyle/>
           <a:p>
             <a:r>
-              <a:rPr lang="en-US" smtClean="0"/>
+              <a:rPr lang="en-US"/>
               <a:t>Click to edit Master title style</a:t>
             </a:r>
             <a:endParaRPr lang="en-US" dirty="0"/>
@@ -1638,35 +1645,35 @@
           <a:p>
             <a:pPr lvl="0"/>
             <a:r>
-              <a:rPr lang="en-US" smtClean="0"/>
+              <a:rPr lang="en-US"/>
               <a:t>Click to edit Master text styles</a:t>
             </a:r>
           </a:p>
           <a:p>
             <a:pPr lvl="1"/>
             <a:r>
-              <a:rPr lang="en-US" smtClean="0"/>
+              <a:rPr lang="en-US"/>
               <a:t>Second level</a:t>
             </a:r>
           </a:p>
           <a:p>
             <a:pPr lvl="2"/>
             <a:r>
-              <a:rPr lang="en-US" smtClean="0"/>
+              <a:rPr lang="en-US"/>
               <a:t>Third level</a:t>
             </a:r>
           </a:p>
           <a:p>
             <a:pPr lvl="3"/>
             <a:r>
-              <a:rPr lang="en-US" smtClean="0"/>
+              <a:rPr lang="en-US"/>
               <a:t>Fourth level</a:t>
             </a:r>
           </a:p>
           <a:p>
             <a:pPr lvl="4"/>
             <a:r>
-              <a:rPr lang="en-US" smtClean="0"/>
+              <a:rPr lang="en-US"/>
               <a:t>Fifth level</a:t>
             </a:r>
             <a:endParaRPr lang="en-US" dirty="0"/>
@@ -1695,35 +1702,35 @@
           <a:p>
             <a:pPr lvl="0"/>
             <a:r>
-              <a:rPr lang="en-US" smtClean="0"/>
+              <a:rPr lang="en-US"/>
               <a:t>Click to edit Master text styles</a:t>
             </a:r>
           </a:p>
           <a:p>
             <a:pPr lvl="1"/>
             <a:r>
-              <a:rPr lang="en-US" smtClean="0"/>
+              <a:rPr lang="en-US"/>
               <a:t>Second level</a:t>
             </a:r>
           </a:p>
           <a:p>
             <a:pPr lvl="2"/>
             <a:r>
-              <a:rPr lang="en-US" smtClean="0"/>
+              <a:rPr lang="en-US"/>
               <a:t>Third level</a:t>
             </a:r>
           </a:p>
           <a:p>
             <a:pPr lvl="3"/>
             <a:r>
-              <a:rPr lang="en-US" smtClean="0"/>
+              <a:rPr lang="en-US"/>
               <a:t>Fourth level</a:t>
             </a:r>
           </a:p>
           <a:p>
             <a:pPr lvl="4"/>
             <a:r>
-              <a:rPr lang="en-US" smtClean="0"/>
+              <a:rPr lang="en-US"/>
               <a:t>Fifth level</a:t>
             </a:r>
             <a:endParaRPr lang="en-US" dirty="0"/>
@@ -1858,7 +1865,7 @@
           <a:lstStyle/>
           <a:p>
             <a:r>
-              <a:rPr lang="en-US" smtClean="0"/>
+              <a:rPr lang="en-US"/>
               <a:t>Click to edit Master title style</a:t>
             </a:r>
             <a:endParaRPr lang="en-US" dirty="0"/>
@@ -1924,7 +1931,7 @@
           <a:p>
             <a:pPr lvl="0"/>
             <a:r>
-              <a:rPr lang="en-US" smtClean="0"/>
+              <a:rPr lang="en-US"/>
               <a:t>Click to edit Master text styles</a:t>
             </a:r>
           </a:p>
@@ -1952,35 +1959,35 @@
           <a:p>
             <a:pPr lvl="0"/>
             <a:r>
-              <a:rPr lang="en-US" smtClean="0"/>
+              <a:rPr lang="en-US"/>
               <a:t>Click to edit Master text styles</a:t>
             </a:r>
           </a:p>
           <a:p>
             <a:pPr lvl="1"/>
             <a:r>
-              <a:rPr lang="en-US" smtClean="0"/>
+              <a:rPr lang="en-US"/>
               <a:t>Second level</a:t>
             </a:r>
           </a:p>
           <a:p>
             <a:pPr lvl="2"/>
             <a:r>
-              <a:rPr lang="en-US" smtClean="0"/>
+              <a:rPr lang="en-US"/>
               <a:t>Third level</a:t>
             </a:r>
           </a:p>
           <a:p>
             <a:pPr lvl="3"/>
             <a:r>
-              <a:rPr lang="en-US" smtClean="0"/>
+              <a:rPr lang="en-US"/>
               <a:t>Fourth level</a:t>
             </a:r>
           </a:p>
           <a:p>
             <a:pPr lvl="4"/>
             <a:r>
-              <a:rPr lang="en-US" smtClean="0"/>
+              <a:rPr lang="en-US"/>
               <a:t>Fifth level</a:t>
             </a:r>
             <a:endParaRPr lang="en-US" dirty="0"/>
@@ -2046,7 +2053,7 @@
           <a:p>
             <a:pPr lvl="0"/>
             <a:r>
-              <a:rPr lang="en-US" smtClean="0"/>
+              <a:rPr lang="en-US"/>
               <a:t>Click to edit Master text styles</a:t>
             </a:r>
           </a:p>
@@ -2074,35 +2081,35 @@
           <a:p>
             <a:pPr lvl="0"/>
             <a:r>
-              <a:rPr lang="en-US" smtClean="0"/>
+              <a:rPr lang="en-US"/>
               <a:t>Click to edit Master text styles</a:t>
             </a:r>
           </a:p>
           <a:p>
             <a:pPr lvl="1"/>
             <a:r>
-              <a:rPr lang="en-US" smtClean="0"/>
+              <a:rPr lang="en-US"/>
               <a:t>Second level</a:t>
             </a:r>
           </a:p>
           <a:p>
             <a:pPr lvl="2"/>
             <a:r>
-              <a:rPr lang="en-US" smtClean="0"/>
+              <a:rPr lang="en-US"/>
               <a:t>Third level</a:t>
             </a:r>
           </a:p>
           <a:p>
             <a:pPr lvl="3"/>
             <a:r>
-              <a:rPr lang="en-US" smtClean="0"/>
+              <a:rPr lang="en-US"/>
               <a:t>Fourth level</a:t>
             </a:r>
           </a:p>
           <a:p>
             <a:pPr lvl="4"/>
             <a:r>
-              <a:rPr lang="en-US" smtClean="0"/>
+              <a:rPr lang="en-US"/>
               <a:t>Fifth level</a:t>
             </a:r>
             <a:endParaRPr lang="en-US" dirty="0"/>
@@ -2232,7 +2239,7 @@
           <a:lstStyle/>
           <a:p>
             <a:r>
-              <a:rPr lang="en-US" smtClean="0"/>
+              <a:rPr lang="en-US"/>
               <a:t>Click to edit Master title style</a:t>
             </a:r>
             <a:endParaRPr lang="en-US" dirty="0"/>
@@ -2478,7 +2485,7 @@
           </a:lstStyle>
           <a:p>
             <a:r>
-              <a:rPr lang="en-US" smtClean="0"/>
+              <a:rPr lang="en-US"/>
               <a:t>Click to edit Master title style</a:t>
             </a:r>
             <a:endParaRPr lang="en-US" dirty="0"/>
@@ -2535,35 +2542,35 @@
           <a:p>
             <a:pPr lvl="0"/>
             <a:r>
-              <a:rPr lang="en-US" smtClean="0"/>
+              <a:rPr lang="en-US"/>
               <a:t>Click to edit Master text styles</a:t>
             </a:r>
           </a:p>
           <a:p>
             <a:pPr lvl="1"/>
             <a:r>
-              <a:rPr lang="en-US" smtClean="0"/>
+              <a:rPr lang="en-US"/>
               <a:t>Second level</a:t>
             </a:r>
           </a:p>
           <a:p>
             <a:pPr lvl="2"/>
             <a:r>
-              <a:rPr lang="en-US" smtClean="0"/>
+              <a:rPr lang="en-US"/>
               <a:t>Third level</a:t>
             </a:r>
           </a:p>
           <a:p>
             <a:pPr lvl="3"/>
             <a:r>
-              <a:rPr lang="en-US" smtClean="0"/>
+              <a:rPr lang="en-US"/>
               <a:t>Fourth level</a:t>
             </a:r>
           </a:p>
           <a:p>
             <a:pPr lvl="4"/>
             <a:r>
-              <a:rPr lang="en-US" smtClean="0"/>
+              <a:rPr lang="en-US"/>
               <a:t>Fifth level</a:t>
             </a:r>
             <a:endParaRPr lang="en-US" dirty="0"/>
@@ -2629,7 +2636,7 @@
           <a:p>
             <a:pPr lvl="0"/>
             <a:r>
-              <a:rPr lang="en-US" smtClean="0"/>
+              <a:rPr lang="en-US"/>
               <a:t>Click to edit Master text styles</a:t>
             </a:r>
           </a:p>
@@ -2767,7 +2774,7 @@
           </a:lstStyle>
           <a:p>
             <a:r>
-              <a:rPr lang="en-US" smtClean="0"/>
+              <a:rPr lang="en-US"/>
               <a:t>Click to edit Master title style</a:t>
             </a:r>
             <a:endParaRPr lang="en-US" dirty="0"/>
@@ -2832,7 +2839,7 @@
           </a:lstStyle>
           <a:p>
             <a:r>
-              <a:rPr lang="en-US" smtClean="0"/>
+              <a:rPr lang="en-US"/>
               <a:t>Click icon to add picture</a:t>
             </a:r>
             <a:endParaRPr lang="en-US" dirty="0"/>
@@ -2898,7 +2905,7 @@
           <a:p>
             <a:pPr lvl="0"/>
             <a:r>
-              <a:rPr lang="en-US" smtClean="0"/>
+              <a:rPr lang="en-US"/>
               <a:t>Click to edit Master text styles</a:t>
             </a:r>
           </a:p>
@@ -3042,7 +3049,7 @@
           <a:lstStyle/>
           <a:p>
             <a:r>
-              <a:rPr lang="en-US" smtClean="0"/>
+              <a:rPr lang="en-US"/>
               <a:t>Click to edit Master title style</a:t>
             </a:r>
             <a:endParaRPr lang="en-US" dirty="0"/>
@@ -3076,35 +3083,35 @@
           <a:p>
             <a:pPr lvl="0"/>
             <a:r>
-              <a:rPr lang="en-US" smtClean="0"/>
+              <a:rPr lang="en-US"/>
               <a:t>Click to edit Master text styles</a:t>
             </a:r>
           </a:p>
           <a:p>
             <a:pPr lvl="1"/>
             <a:r>
-              <a:rPr lang="en-US" smtClean="0"/>
+              <a:rPr lang="en-US"/>
               <a:t>Second level</a:t>
             </a:r>
           </a:p>
           <a:p>
             <a:pPr lvl="2"/>
             <a:r>
-              <a:rPr lang="en-US" smtClean="0"/>
+              <a:rPr lang="en-US"/>
               <a:t>Third level</a:t>
             </a:r>
           </a:p>
           <a:p>
             <a:pPr lvl="3"/>
             <a:r>
-              <a:rPr lang="en-US" smtClean="0"/>
+              <a:rPr lang="en-US"/>
               <a:t>Fourth level</a:t>
             </a:r>
           </a:p>
           <a:p>
             <a:pPr lvl="4"/>
             <a:r>
-              <a:rPr lang="en-US" smtClean="0"/>
+              <a:rPr lang="en-US"/>
               <a:t>Fifth level</a:t>
             </a:r>
             <a:endParaRPr lang="en-US" dirty="0"/>
@@ -3607,7 +3614,7 @@
           <p:cNvPr id="3" name="Picture 2">
             <a:extLst>
               <a:ext uri="{FF2B5EF4-FFF2-40B4-BE49-F238E27FC236}">
-                <a16:creationId xmlns="" xmlns:a16="http://schemas.microsoft.com/office/drawing/2014/main" id="{31F8CF0C-2DF4-F956-D9BD-6BF59F67AFDA}"/>
+                <a16:creationId xmlns:a16="http://schemas.microsoft.com/office/drawing/2014/main" id="{31F8CF0C-2DF4-F956-D9BD-6BF59F67AFDA}"/>
               </a:ext>
             </a:extLst>
           </p:cNvPr>
@@ -3656,546 +3663,10 @@
       <p:transition/>
     </mc:Fallback>
   </mc:AlternateContent>
-  <p:timing>
-    <p:tnLst>
-      <p:par>
-        <p:cTn id="1" dur="indefinite" restart="never" nodeType="tmRoot"/>
-      </p:par>
-    </p:tnLst>
-  </p:timing>
 </p:sld>
 </file>
 
-<file path=ppt/slides/slide2.xml><?xml version="1.0" encoding="utf-8"?>
-<p:sld xmlns:a="http://schemas.openxmlformats.org/drawingml/2006/main" xmlns:r="http://schemas.openxmlformats.org/officeDocument/2006/relationships" xmlns:p="http://schemas.openxmlformats.org/presentationml/2006/main">
-  <p:cSld>
-    <p:spTree>
-      <p:nvGrpSpPr>
-        <p:cNvPr id="1" name=""/>
-        <p:cNvGrpSpPr/>
-        <p:nvPr/>
-      </p:nvGrpSpPr>
-      <p:grpSpPr>
-        <a:xfrm>
-          <a:off x="0" y="0"/>
-          <a:ext cx="0" cy="0"/>
-          <a:chOff x="0" y="0"/>
-          <a:chExt cx="0" cy="0"/>
-        </a:xfrm>
-      </p:grpSpPr>
-      <p:pic>
-        <p:nvPicPr>
-          <p:cNvPr id="1026" name="Picture 2" descr="7,062 Black Child Robot Royalty-Free Images, Stock Photos &amp; Pictures |  Shutterstock"/>
-          <p:cNvPicPr>
-            <a:picLocks noChangeAspect="1" noChangeArrowheads="1"/>
-          </p:cNvPicPr>
-          <p:nvPr/>
-        </p:nvPicPr>
-        <p:blipFill>
-          <a:blip r:embed="rId2">
-            <a:extLst>
-              <a:ext uri="{BEBA8EAE-BF5A-486C-A8C5-ECC9F3942E4B}">
-                <a14:imgProps xmlns:a14="http://schemas.microsoft.com/office/drawing/2010/main">
-                  <a14:imgLayer r:embed="rId3">
-                    <a14:imgEffect>
-                      <a14:brightnessContrast bright="-20000" contrast="-40000"/>
-                    </a14:imgEffect>
-                  </a14:imgLayer>
-                </a14:imgProps>
-              </a:ext>
-              <a:ext uri="{28A0092B-C50C-407E-A947-70E740481C1C}">
-                <a14:useLocalDpi xmlns:a14="http://schemas.microsoft.com/office/drawing/2010/main" val="0"/>
-              </a:ext>
-            </a:extLst>
-          </a:blip>
-          <a:srcRect/>
-          <a:stretch>
-            <a:fillRect/>
-          </a:stretch>
-        </p:blipFill>
-        <p:spPr bwMode="auto">
-          <a:xfrm>
-            <a:off x="0" y="0"/>
-            <a:ext cx="12192000" cy="6866627"/>
-          </a:xfrm>
-          <a:prstGeom prst="rect">
-            <a:avLst/>
-          </a:prstGeom>
-          <a:noFill/>
-          <a:extLst>
-            <a:ext uri="{909E8E84-426E-40DD-AFC4-6F175D3DCCD1}">
-              <a14:hiddenFill xmlns:a14="http://schemas.microsoft.com/office/drawing/2010/main">
-                <a:solidFill>
-                  <a:srgbClr val="FFFFFF"/>
-                </a:solidFill>
-              </a14:hiddenFill>
-            </a:ext>
-          </a:extLst>
-        </p:spPr>
-      </p:pic>
-      <p:sp>
-        <p:nvSpPr>
-          <p:cNvPr id="4" name="Rectangle 3"/>
-          <p:cNvSpPr/>
-          <p:nvPr/>
-        </p:nvSpPr>
-        <p:spPr>
-          <a:xfrm>
-            <a:off x="624090" y="4013281"/>
-            <a:ext cx="10943820" cy="707886"/>
-          </a:xfrm>
-          <a:prstGeom prst="rect">
-            <a:avLst/>
-          </a:prstGeom>
-          <a:noFill/>
-        </p:spPr>
-        <p:txBody>
-          <a:bodyPr wrap="square" lIns="91440" tIns="45720" rIns="91440" bIns="45720">
-            <a:spAutoFit/>
-          </a:bodyPr>
-          <a:lstStyle/>
-          <a:p>
-            <a:pPr algn="ctr"/>
-            <a:r>
-              <a:rPr lang="en-US" sz="4000" b="1" dirty="0" smtClean="0">
-                <a:ln w="6600">
-                  <a:solidFill>
-                    <a:schemeClr val="accent2"/>
-                  </a:solidFill>
-                  <a:prstDash val="solid"/>
-                </a:ln>
-                <a:solidFill>
-                  <a:srgbClr val="FFFFFF"/>
-                </a:solidFill>
-                <a:effectLst>
-                  <a:outerShdw dist="38100" dir="2700000" algn="tl" rotWithShape="0">
-                    <a:schemeClr val="accent2"/>
-                  </a:outerShdw>
-                </a:effectLst>
-              </a:rPr>
-              <a:t>YOUR ONE STOP DESTINATION FOR AI &amp; ROBOTICS</a:t>
-            </a:r>
-            <a:endParaRPr lang="en-US" sz="4000" b="1" cap="none" spc="0" dirty="0">
-              <a:ln w="6600">
-                <a:solidFill>
-                  <a:schemeClr val="accent2"/>
-                </a:solidFill>
-                <a:prstDash val="solid"/>
-              </a:ln>
-              <a:solidFill>
-                <a:srgbClr val="FFFFFF"/>
-              </a:solidFill>
-              <a:effectLst>
-                <a:outerShdw dist="38100" dir="2700000" algn="tl" rotWithShape="0">
-                  <a:schemeClr val="accent2"/>
-                </a:outerShdw>
-              </a:effectLst>
-            </a:endParaRPr>
-          </a:p>
-        </p:txBody>
-      </p:sp>
-    </p:spTree>
-    <p:extLst>
-      <p:ext uri="{BB962C8B-B14F-4D97-AF65-F5344CB8AC3E}">
-        <p14:creationId xmlns:p14="http://schemas.microsoft.com/office/powerpoint/2010/main" val="2876608474"/>
-      </p:ext>
-    </p:extLst>
-  </p:cSld>
-  <p:clrMapOvr>
-    <a:masterClrMapping/>
-  </p:clrMapOvr>
-  <mc:AlternateContent xmlns:mc="http://schemas.openxmlformats.org/markup-compatibility/2006" xmlns:p14="http://schemas.microsoft.com/office/powerpoint/2010/main">
-    <mc:Choice Requires="p14">
-      <p:transition spd="slow" p14:dur="3400">
-        <p14:reveal/>
-      </p:transition>
-    </mc:Choice>
-    <mc:Fallback xmlns="">
-      <p:transition spd="slow">
-        <p:fade/>
-      </p:transition>
-    </mc:Fallback>
-  </mc:AlternateContent>
-  <p:timing>
-    <p:tnLst>
-      <p:par>
-        <p:cTn id="1" dur="indefinite" restart="never" nodeType="tmRoot"/>
-      </p:par>
-    </p:tnLst>
-  </p:timing>
-</p:sld>
-</file>
-
-<file path=ppt/slides/slide3.xml><?xml version="1.0" encoding="utf-8"?>
-<p:sld xmlns:a="http://schemas.openxmlformats.org/drawingml/2006/main" xmlns:r="http://schemas.openxmlformats.org/officeDocument/2006/relationships" xmlns:p="http://schemas.openxmlformats.org/presentationml/2006/main">
-  <p:cSld>
-    <p:spTree>
-      <p:nvGrpSpPr>
-        <p:cNvPr id="1" name=""/>
-        <p:cNvGrpSpPr/>
-        <p:nvPr/>
-      </p:nvGrpSpPr>
-      <p:grpSpPr>
-        <a:xfrm>
-          <a:off x="0" y="0"/>
-          <a:ext cx="0" cy="0"/>
-          <a:chOff x="0" y="0"/>
-          <a:chExt cx="0" cy="0"/>
-        </a:xfrm>
-      </p:grpSpPr>
-      <p:pic>
-        <p:nvPicPr>
-          <p:cNvPr id="23" name="Picture 22"/>
-          <p:cNvPicPr>
-            <a:picLocks noChangeAspect="1"/>
-          </p:cNvPicPr>
-          <p:nvPr/>
-        </p:nvPicPr>
-        <p:blipFill>
-          <a:blip r:embed="rId3">
-            <a:clrChange>
-              <a:clrFrom>
-                <a:srgbClr val="0F3B54"/>
-              </a:clrFrom>
-              <a:clrTo>
-                <a:srgbClr val="0F3B54">
-                  <a:alpha val="0"/>
-                </a:srgbClr>
-              </a:clrTo>
-            </a:clrChange>
-            <a:extLst>
-              <a:ext uri="{28A0092B-C50C-407E-A947-70E740481C1C}">
-                <a14:useLocalDpi xmlns:a14="http://schemas.microsoft.com/office/drawing/2010/main" val="0"/>
-              </a:ext>
-            </a:extLst>
-          </a:blip>
-          <a:stretch>
-            <a:fillRect/>
-          </a:stretch>
-        </p:blipFill>
-        <p:spPr>
-          <a:xfrm>
-            <a:off x="0" y="0"/>
-            <a:ext cx="12192000" cy="6858000"/>
-          </a:xfrm>
-          <a:prstGeom prst="rect">
-            <a:avLst/>
-          </a:prstGeom>
-        </p:spPr>
-      </p:pic>
-      <p:pic>
-        <p:nvPicPr>
-          <p:cNvPr id="7" name="Picture 6"/>
-          <p:cNvPicPr>
-            <a:picLocks noChangeAspect="1"/>
-          </p:cNvPicPr>
-          <p:nvPr/>
-        </p:nvPicPr>
-        <p:blipFill>
-          <a:blip r:embed="rId4" cstate="print">
-            <a:extLst>
-              <a:ext uri="{28A0092B-C50C-407E-A947-70E740481C1C}">
-                <a14:useLocalDpi xmlns:a14="http://schemas.microsoft.com/office/drawing/2010/main" val="0"/>
-              </a:ext>
-            </a:extLst>
-          </a:blip>
-          <a:stretch>
-            <a:fillRect/>
-          </a:stretch>
-        </p:blipFill>
-        <p:spPr>
-          <a:xfrm>
-            <a:off x="956188" y="4909234"/>
-            <a:ext cx="674034" cy="505525"/>
-          </a:xfrm>
-          <a:prstGeom prst="rect">
-            <a:avLst/>
-          </a:prstGeom>
-        </p:spPr>
-      </p:pic>
-      <p:pic>
-        <p:nvPicPr>
-          <p:cNvPr id="10" name="Picture 9"/>
-          <p:cNvPicPr>
-            <a:picLocks noChangeAspect="1"/>
-          </p:cNvPicPr>
-          <p:nvPr/>
-        </p:nvPicPr>
-        <p:blipFill>
-          <a:blip r:embed="rId5" cstate="print">
-            <a:extLst>
-              <a:ext uri="{28A0092B-C50C-407E-A947-70E740481C1C}">
-                <a14:useLocalDpi xmlns:a14="http://schemas.microsoft.com/office/drawing/2010/main" val="0"/>
-              </a:ext>
-            </a:extLst>
-          </a:blip>
-          <a:stretch>
-            <a:fillRect/>
-          </a:stretch>
-        </p:blipFill>
-        <p:spPr>
-          <a:xfrm>
-            <a:off x="1812743" y="5399997"/>
-            <a:ext cx="464922" cy="483912"/>
-          </a:xfrm>
-          <a:prstGeom prst="rect">
-            <a:avLst/>
-          </a:prstGeom>
-        </p:spPr>
-      </p:pic>
-      <p:pic>
-        <p:nvPicPr>
-          <p:cNvPr id="12" name="Picture 11"/>
-          <p:cNvPicPr>
-            <a:picLocks noChangeAspect="1"/>
-          </p:cNvPicPr>
-          <p:nvPr/>
-        </p:nvPicPr>
-        <p:blipFill>
-          <a:blip r:embed="rId6" cstate="print">
-            <a:extLst>
-              <a:ext uri="{28A0092B-C50C-407E-A947-70E740481C1C}">
-                <a14:useLocalDpi xmlns:a14="http://schemas.microsoft.com/office/drawing/2010/main" val="0"/>
-              </a:ext>
-            </a:extLst>
-          </a:blip>
-          <a:stretch>
-            <a:fillRect/>
-          </a:stretch>
-        </p:blipFill>
-        <p:spPr>
-          <a:xfrm>
-            <a:off x="1812743" y="3548061"/>
-            <a:ext cx="464922" cy="464922"/>
-          </a:xfrm>
-          <a:prstGeom prst="rect">
-            <a:avLst/>
-          </a:prstGeom>
-        </p:spPr>
-      </p:pic>
-      <p:pic>
-        <p:nvPicPr>
-          <p:cNvPr id="19" name="Picture 18"/>
-          <p:cNvPicPr>
-            <a:picLocks noChangeAspect="1"/>
-          </p:cNvPicPr>
-          <p:nvPr/>
-        </p:nvPicPr>
-        <p:blipFill>
-          <a:blip r:embed="rId7" cstate="print">
-            <a:extLst>
-              <a:ext uri="{28A0092B-C50C-407E-A947-70E740481C1C}">
-                <a14:useLocalDpi xmlns:a14="http://schemas.microsoft.com/office/drawing/2010/main" val="0"/>
-              </a:ext>
-            </a:extLst>
-          </a:blip>
-          <a:stretch>
-            <a:fillRect/>
-          </a:stretch>
-        </p:blipFill>
-        <p:spPr>
-          <a:xfrm>
-            <a:off x="2583533" y="4012983"/>
-            <a:ext cx="553633" cy="553633"/>
-          </a:xfrm>
-          <a:prstGeom prst="rect">
-            <a:avLst/>
-          </a:prstGeom>
-        </p:spPr>
-      </p:pic>
-      <p:pic>
-        <p:nvPicPr>
-          <p:cNvPr id="21" name="Picture 20"/>
-          <p:cNvPicPr>
-            <a:picLocks noChangeAspect="1"/>
-          </p:cNvPicPr>
-          <p:nvPr/>
-        </p:nvPicPr>
-        <p:blipFill>
-          <a:blip r:embed="rId8" cstate="print">
-            <a:clrChange>
-              <a:clrFrom>
-                <a:srgbClr val="05132E"/>
-              </a:clrFrom>
-              <a:clrTo>
-                <a:srgbClr val="05132E">
-                  <a:alpha val="0"/>
-                </a:srgbClr>
-              </a:clrTo>
-            </a:clrChange>
-            <a:extLst>
-              <a:ext uri="{28A0092B-C50C-407E-A947-70E740481C1C}">
-                <a14:useLocalDpi xmlns:a14="http://schemas.microsoft.com/office/drawing/2010/main" val="0"/>
-              </a:ext>
-            </a:extLst>
-          </a:blip>
-          <a:stretch>
-            <a:fillRect/>
-          </a:stretch>
-        </p:blipFill>
-        <p:spPr>
-          <a:xfrm>
-            <a:off x="1302705" y="3985551"/>
-            <a:ext cx="1484998" cy="1484998"/>
-          </a:xfrm>
-          <a:prstGeom prst="rect">
-            <a:avLst/>
-          </a:prstGeom>
-        </p:spPr>
-      </p:pic>
-      <p:sp>
-        <p:nvSpPr>
-          <p:cNvPr id="24" name="TextBox 23"/>
-          <p:cNvSpPr txBox="1"/>
-          <p:nvPr/>
-        </p:nvSpPr>
-        <p:spPr>
-          <a:xfrm>
-            <a:off x="1302705" y="416645"/>
-            <a:ext cx="9569700" cy="523220"/>
-          </a:xfrm>
-          <a:prstGeom prst="rect">
-            <a:avLst/>
-          </a:prstGeom>
-          <a:noFill/>
-        </p:spPr>
-        <p:txBody>
-          <a:bodyPr wrap="square" rtlCol="0">
-            <a:spAutoFit/>
-          </a:bodyPr>
-          <a:lstStyle/>
-          <a:p>
-            <a:r>
-              <a:rPr lang="en-US" sz="2800" dirty="0" smtClean="0">
-                <a:solidFill>
-                  <a:schemeClr val="bg1"/>
-                </a:solidFill>
-              </a:rPr>
-              <a:t>AI PROFESSIONALS ARE SOUGHT AFTER ALL OVER THE WORLD</a:t>
-            </a:r>
-            <a:endParaRPr lang="en-AU" sz="2800" dirty="0">
-              <a:solidFill>
-                <a:schemeClr val="bg1"/>
-              </a:solidFill>
-            </a:endParaRPr>
-          </a:p>
-        </p:txBody>
-      </p:sp>
-      <p:pic>
-        <p:nvPicPr>
-          <p:cNvPr id="2054" name="Picture 6" descr="File:Microsoft logo.svg - Wikipedia"/>
-          <p:cNvPicPr>
-            <a:picLocks noChangeAspect="1" noChangeArrowheads="1"/>
-          </p:cNvPicPr>
-          <p:nvPr/>
-        </p:nvPicPr>
-        <p:blipFill>
-          <a:blip r:embed="rId9" cstate="print">
-            <a:extLst>
-              <a:ext uri="{28A0092B-C50C-407E-A947-70E740481C1C}">
-                <a14:useLocalDpi xmlns:a14="http://schemas.microsoft.com/office/drawing/2010/main" val="0"/>
-              </a:ext>
-            </a:extLst>
-          </a:blip>
-          <a:srcRect/>
-          <a:stretch>
-            <a:fillRect/>
-          </a:stretch>
-        </p:blipFill>
-        <p:spPr bwMode="auto">
-          <a:xfrm>
-            <a:off x="1086500" y="4054417"/>
-            <a:ext cx="400814" cy="400814"/>
-          </a:xfrm>
-          <a:prstGeom prst="rect">
-            <a:avLst/>
-          </a:prstGeom>
-          <a:noFill/>
-          <a:extLst>
-            <a:ext uri="{909E8E84-426E-40DD-AFC4-6F175D3DCCD1}">
-              <a14:hiddenFill xmlns:a14="http://schemas.microsoft.com/office/drawing/2010/main">
-                <a:solidFill>
-                  <a:srgbClr val="FFFFFF"/>
-                </a:solidFill>
-              </a14:hiddenFill>
-            </a:ext>
-          </a:extLst>
-        </p:spPr>
-      </p:pic>
-      <p:pic>
-        <p:nvPicPr>
-          <p:cNvPr id="2060" name="Picture 12" descr="IBM icon download | Free icons, app icons"/>
-          <p:cNvPicPr>
-            <a:picLocks noChangeAspect="1" noChangeArrowheads="1"/>
-          </p:cNvPicPr>
-          <p:nvPr/>
-        </p:nvPicPr>
-        <p:blipFill>
-          <a:blip r:embed="rId10" cstate="print">
-            <a:extLst>
-              <a:ext uri="{28A0092B-C50C-407E-A947-70E740481C1C}">
-                <a14:useLocalDpi xmlns:a14="http://schemas.microsoft.com/office/drawing/2010/main" val="0"/>
-              </a:ext>
-            </a:extLst>
-          </a:blip>
-          <a:srcRect/>
-          <a:stretch>
-            <a:fillRect/>
-          </a:stretch>
-        </p:blipFill>
-        <p:spPr bwMode="auto">
-          <a:xfrm>
-            <a:off x="2612742" y="4908144"/>
-            <a:ext cx="521478" cy="521478"/>
-          </a:xfrm>
-          <a:prstGeom prst="rect">
-            <a:avLst/>
-          </a:prstGeom>
-          <a:noFill/>
-          <a:extLst>
-            <a:ext uri="{909E8E84-426E-40DD-AFC4-6F175D3DCCD1}">
-              <a14:hiddenFill xmlns:a14="http://schemas.microsoft.com/office/drawing/2010/main">
-                <a:solidFill>
-                  <a:srgbClr val="FFFFFF"/>
-                </a:solidFill>
-              </a14:hiddenFill>
-            </a:ext>
-          </a:extLst>
-        </p:spPr>
-      </p:pic>
-    </p:spTree>
-    <p:extLst>
-      <p:ext uri="{BB962C8B-B14F-4D97-AF65-F5344CB8AC3E}">
-        <p14:creationId xmlns:p14="http://schemas.microsoft.com/office/powerpoint/2010/main" val="1701805757"/>
-      </p:ext>
-    </p:extLst>
-  </p:cSld>
-  <p:clrMapOvr>
-    <a:masterClrMapping/>
-  </p:clrMapOvr>
-  <mc:AlternateContent xmlns:mc="http://schemas.openxmlformats.org/markup-compatibility/2006" xmlns:p14="http://schemas.microsoft.com/office/powerpoint/2010/main">
-    <mc:Choice Requires="p14">
-      <p:transition spd="slow" p14:dur="3400">
-        <p14:reveal/>
-      </p:transition>
-    </mc:Choice>
-    <mc:Fallback xmlns="">
-      <p:transition spd="slow">
-        <p:fade/>
-      </p:transition>
-    </mc:Fallback>
-  </mc:AlternateContent>
-  <p:timing>
-    <p:tnLst>
-      <p:par>
-        <p:cTn id="1" dur="indefinite" restart="never" nodeType="tmRoot"/>
-      </p:par>
-    </p:tnLst>
-  </p:timing>
-</p:sld>
-</file>
-
-<file path=ppt/slides/slide4.xml><?xml version="1.0" encoding="utf-8"?>
+<file path=ppt/slides/slide10.xml><?xml version="1.0" encoding="utf-8"?>
 <p:sld xmlns:a="http://schemas.openxmlformats.org/drawingml/2006/main" xmlns:r="http://schemas.openxmlformats.org/officeDocument/2006/relationships" xmlns:p="http://schemas.openxmlformats.org/presentationml/2006/main">
   <p:cSld>
     <p:spTree>
@@ -4321,7 +3792,7 @@
             <a:lstStyle/>
             <a:p>
               <a:r>
-                <a:rPr lang="en-US" b="1" dirty="0" smtClean="0">
+                <a:rPr lang="en-US" b="1" dirty="0">
                   <a:solidFill>
                     <a:schemeClr val="bg1"/>
                   </a:solidFill>
@@ -4395,7 +3866,7 @@
             <a:lstStyle/>
             <a:p>
               <a:r>
-                <a:rPr lang="en-US" b="1" dirty="0" smtClean="0">
+                <a:rPr lang="en-US" b="1" dirty="0">
                   <a:solidFill>
                     <a:schemeClr val="bg1"/>
                   </a:solidFill>
@@ -4470,7 +3941,7 @@
             <a:lstStyle/>
             <a:p>
               <a:r>
-                <a:rPr lang="en-US" b="1" dirty="0" smtClean="0">
+                <a:rPr lang="en-US" b="1" dirty="0">
                   <a:solidFill>
                     <a:schemeClr val="bg1"/>
                   </a:solidFill>
@@ -4544,7 +4015,7 @@
             <a:lstStyle/>
             <a:p>
               <a:r>
-                <a:rPr lang="en-US" b="1" dirty="0" smtClean="0">
+                <a:rPr lang="en-US" b="1" dirty="0">
                   <a:solidFill>
                     <a:schemeClr val="bg1"/>
                   </a:solidFill>
@@ -4766,7 +4237,7 @@
             <a:lstStyle/>
             <a:p>
               <a:r>
-                <a:rPr lang="en-US" b="1" dirty="0" smtClean="0">
+                <a:rPr lang="en-US" b="1" dirty="0">
                   <a:solidFill>
                     <a:schemeClr val="bg1"/>
                   </a:solidFill>
@@ -4976,7 +4447,7 @@
           <a:p>
             <a:pPr algn="ctr"/>
             <a:r>
-              <a:rPr lang="en-US" sz="2800" b="1" cap="none" spc="0" dirty="0" smtClean="0">
+              <a:rPr lang="en-US" sz="2800" b="1" cap="none" spc="0" dirty="0">
                 <a:ln w="6600">
                   <a:noFill/>
                   <a:prstDash val="solid"/>
@@ -4987,15 +4458,6 @@
               </a:rPr>
               <a:t>UNVEIL AI WITH US</a:t>
             </a:r>
-            <a:endParaRPr lang="en-US" sz="2800" b="1" cap="none" spc="0" dirty="0">
-              <a:ln w="6600">
-                <a:noFill/>
-                <a:prstDash val="solid"/>
-              </a:ln>
-              <a:solidFill>
-                <a:srgbClr val="C00000"/>
-              </a:solidFill>
-            </a:endParaRPr>
           </a:p>
         </p:txBody>
       </p:sp>
@@ -5021,17 +4483,1534 @@
       </p:transition>
     </mc:Fallback>
   </mc:AlternateContent>
-  <p:timing>
-    <p:tnLst>
-      <p:par>
-        <p:cTn id="1" dur="indefinite" restart="never" nodeType="tmRoot"/>
-      </p:par>
-    </p:tnLst>
-  </p:timing>
+</p:sld>
+</file>
+
+<file path=ppt/slides/slide11.xml><?xml version="1.0" encoding="utf-8"?>
+<p:sld xmlns:a="http://schemas.openxmlformats.org/drawingml/2006/main" xmlns:r="http://schemas.openxmlformats.org/officeDocument/2006/relationships" xmlns:p="http://schemas.openxmlformats.org/presentationml/2006/main">
+  <p:cSld>
+    <p:spTree>
+      <p:nvGrpSpPr>
+        <p:cNvPr id="1" name=""/>
+        <p:cNvGrpSpPr/>
+        <p:nvPr/>
+      </p:nvGrpSpPr>
+      <p:grpSpPr>
+        <a:xfrm>
+          <a:off x="0" y="0"/>
+          <a:ext cx="0" cy="0"/>
+          <a:chOff x="0" y="0"/>
+          <a:chExt cx="0" cy="0"/>
+        </a:xfrm>
+      </p:grpSpPr>
+      <p:pic>
+        <p:nvPicPr>
+          <p:cNvPr id="23" name="Picture 22"/>
+          <p:cNvPicPr>
+            <a:picLocks noChangeAspect="1"/>
+          </p:cNvPicPr>
+          <p:nvPr/>
+        </p:nvPicPr>
+        <p:blipFill>
+          <a:blip r:embed="rId3">
+            <a:clrChange>
+              <a:clrFrom>
+                <a:srgbClr val="0F3B54"/>
+              </a:clrFrom>
+              <a:clrTo>
+                <a:srgbClr val="0F3B54">
+                  <a:alpha val="0"/>
+                </a:srgbClr>
+              </a:clrTo>
+            </a:clrChange>
+            <a:extLst>
+              <a:ext uri="{28A0092B-C50C-407E-A947-70E740481C1C}">
+                <a14:useLocalDpi xmlns:a14="http://schemas.microsoft.com/office/drawing/2010/main" val="0"/>
+              </a:ext>
+            </a:extLst>
+          </a:blip>
+          <a:stretch>
+            <a:fillRect/>
+          </a:stretch>
+        </p:blipFill>
+        <p:spPr>
+          <a:xfrm>
+            <a:off x="0" y="0"/>
+            <a:ext cx="12192000" cy="6858000"/>
+          </a:xfrm>
+          <a:prstGeom prst="rect">
+            <a:avLst/>
+          </a:prstGeom>
+        </p:spPr>
+      </p:pic>
+      <p:pic>
+        <p:nvPicPr>
+          <p:cNvPr id="7" name="Picture 6"/>
+          <p:cNvPicPr>
+            <a:picLocks noChangeAspect="1"/>
+          </p:cNvPicPr>
+          <p:nvPr/>
+        </p:nvPicPr>
+        <p:blipFill>
+          <a:blip r:embed="rId4" cstate="print">
+            <a:extLst>
+              <a:ext uri="{28A0092B-C50C-407E-A947-70E740481C1C}">
+                <a14:useLocalDpi xmlns:a14="http://schemas.microsoft.com/office/drawing/2010/main" val="0"/>
+              </a:ext>
+            </a:extLst>
+          </a:blip>
+          <a:stretch>
+            <a:fillRect/>
+          </a:stretch>
+        </p:blipFill>
+        <p:spPr>
+          <a:xfrm>
+            <a:off x="956188" y="4909234"/>
+            <a:ext cx="674034" cy="505525"/>
+          </a:xfrm>
+          <a:prstGeom prst="rect">
+            <a:avLst/>
+          </a:prstGeom>
+        </p:spPr>
+      </p:pic>
+      <p:pic>
+        <p:nvPicPr>
+          <p:cNvPr id="10" name="Picture 9"/>
+          <p:cNvPicPr>
+            <a:picLocks noChangeAspect="1"/>
+          </p:cNvPicPr>
+          <p:nvPr/>
+        </p:nvPicPr>
+        <p:blipFill>
+          <a:blip r:embed="rId5" cstate="print">
+            <a:extLst>
+              <a:ext uri="{28A0092B-C50C-407E-A947-70E740481C1C}">
+                <a14:useLocalDpi xmlns:a14="http://schemas.microsoft.com/office/drawing/2010/main" val="0"/>
+              </a:ext>
+            </a:extLst>
+          </a:blip>
+          <a:stretch>
+            <a:fillRect/>
+          </a:stretch>
+        </p:blipFill>
+        <p:spPr>
+          <a:xfrm>
+            <a:off x="1812743" y="5399997"/>
+            <a:ext cx="464922" cy="483912"/>
+          </a:xfrm>
+          <a:prstGeom prst="rect">
+            <a:avLst/>
+          </a:prstGeom>
+        </p:spPr>
+      </p:pic>
+      <p:pic>
+        <p:nvPicPr>
+          <p:cNvPr id="12" name="Picture 11"/>
+          <p:cNvPicPr>
+            <a:picLocks noChangeAspect="1"/>
+          </p:cNvPicPr>
+          <p:nvPr/>
+        </p:nvPicPr>
+        <p:blipFill>
+          <a:blip r:embed="rId6" cstate="print">
+            <a:extLst>
+              <a:ext uri="{28A0092B-C50C-407E-A947-70E740481C1C}">
+                <a14:useLocalDpi xmlns:a14="http://schemas.microsoft.com/office/drawing/2010/main" val="0"/>
+              </a:ext>
+            </a:extLst>
+          </a:blip>
+          <a:stretch>
+            <a:fillRect/>
+          </a:stretch>
+        </p:blipFill>
+        <p:spPr>
+          <a:xfrm>
+            <a:off x="1812743" y="3548061"/>
+            <a:ext cx="464922" cy="464922"/>
+          </a:xfrm>
+          <a:prstGeom prst="rect">
+            <a:avLst/>
+          </a:prstGeom>
+        </p:spPr>
+      </p:pic>
+      <p:pic>
+        <p:nvPicPr>
+          <p:cNvPr id="19" name="Picture 18"/>
+          <p:cNvPicPr>
+            <a:picLocks noChangeAspect="1"/>
+          </p:cNvPicPr>
+          <p:nvPr/>
+        </p:nvPicPr>
+        <p:blipFill>
+          <a:blip r:embed="rId7" cstate="print">
+            <a:extLst>
+              <a:ext uri="{28A0092B-C50C-407E-A947-70E740481C1C}">
+                <a14:useLocalDpi xmlns:a14="http://schemas.microsoft.com/office/drawing/2010/main" val="0"/>
+              </a:ext>
+            </a:extLst>
+          </a:blip>
+          <a:stretch>
+            <a:fillRect/>
+          </a:stretch>
+        </p:blipFill>
+        <p:spPr>
+          <a:xfrm>
+            <a:off x="2583533" y="4012983"/>
+            <a:ext cx="553633" cy="553633"/>
+          </a:xfrm>
+          <a:prstGeom prst="rect">
+            <a:avLst/>
+          </a:prstGeom>
+        </p:spPr>
+      </p:pic>
+      <p:pic>
+        <p:nvPicPr>
+          <p:cNvPr id="21" name="Picture 20"/>
+          <p:cNvPicPr>
+            <a:picLocks noChangeAspect="1"/>
+          </p:cNvPicPr>
+          <p:nvPr/>
+        </p:nvPicPr>
+        <p:blipFill>
+          <a:blip r:embed="rId8" cstate="print">
+            <a:clrChange>
+              <a:clrFrom>
+                <a:srgbClr val="05132E"/>
+              </a:clrFrom>
+              <a:clrTo>
+                <a:srgbClr val="05132E">
+                  <a:alpha val="0"/>
+                </a:srgbClr>
+              </a:clrTo>
+            </a:clrChange>
+            <a:extLst>
+              <a:ext uri="{28A0092B-C50C-407E-A947-70E740481C1C}">
+                <a14:useLocalDpi xmlns:a14="http://schemas.microsoft.com/office/drawing/2010/main" val="0"/>
+              </a:ext>
+            </a:extLst>
+          </a:blip>
+          <a:stretch>
+            <a:fillRect/>
+          </a:stretch>
+        </p:blipFill>
+        <p:spPr>
+          <a:xfrm>
+            <a:off x="1302705" y="3985551"/>
+            <a:ext cx="1484998" cy="1484998"/>
+          </a:xfrm>
+          <a:prstGeom prst="rect">
+            <a:avLst/>
+          </a:prstGeom>
+        </p:spPr>
+      </p:pic>
+      <p:sp>
+        <p:nvSpPr>
+          <p:cNvPr id="24" name="TextBox 23"/>
+          <p:cNvSpPr txBox="1"/>
+          <p:nvPr/>
+        </p:nvSpPr>
+        <p:spPr>
+          <a:xfrm>
+            <a:off x="1302705" y="416645"/>
+            <a:ext cx="9569700" cy="523220"/>
+          </a:xfrm>
+          <a:prstGeom prst="rect">
+            <a:avLst/>
+          </a:prstGeom>
+          <a:noFill/>
+        </p:spPr>
+        <p:txBody>
+          <a:bodyPr wrap="square" rtlCol="0">
+            <a:spAutoFit/>
+          </a:bodyPr>
+          <a:lstStyle/>
+          <a:p>
+            <a:r>
+              <a:rPr lang="en-US" sz="2800" dirty="0">
+                <a:solidFill>
+                  <a:schemeClr val="bg1"/>
+                </a:solidFill>
+              </a:rPr>
+              <a:t>AI PROFESSIONALS ARE SOUGHT AFTER ALL OVER THE WORLD</a:t>
+            </a:r>
+            <a:endParaRPr lang="en-AU" sz="2800" dirty="0">
+              <a:solidFill>
+                <a:schemeClr val="bg1"/>
+              </a:solidFill>
+            </a:endParaRPr>
+          </a:p>
+        </p:txBody>
+      </p:sp>
+      <p:pic>
+        <p:nvPicPr>
+          <p:cNvPr id="2054" name="Picture 6" descr="File:Microsoft logo.svg - Wikipedia"/>
+          <p:cNvPicPr>
+            <a:picLocks noChangeAspect="1" noChangeArrowheads="1"/>
+          </p:cNvPicPr>
+          <p:nvPr/>
+        </p:nvPicPr>
+        <p:blipFill>
+          <a:blip r:embed="rId9" cstate="print">
+            <a:extLst>
+              <a:ext uri="{28A0092B-C50C-407E-A947-70E740481C1C}">
+                <a14:useLocalDpi xmlns:a14="http://schemas.microsoft.com/office/drawing/2010/main" val="0"/>
+              </a:ext>
+            </a:extLst>
+          </a:blip>
+          <a:srcRect/>
+          <a:stretch>
+            <a:fillRect/>
+          </a:stretch>
+        </p:blipFill>
+        <p:spPr bwMode="auto">
+          <a:xfrm>
+            <a:off x="1086500" y="4054417"/>
+            <a:ext cx="400814" cy="400814"/>
+          </a:xfrm>
+          <a:prstGeom prst="rect">
+            <a:avLst/>
+          </a:prstGeom>
+          <a:noFill/>
+          <a:extLst>
+            <a:ext uri="{909E8E84-426E-40DD-AFC4-6F175D3DCCD1}">
+              <a14:hiddenFill xmlns:a14="http://schemas.microsoft.com/office/drawing/2010/main">
+                <a:solidFill>
+                  <a:srgbClr val="FFFFFF"/>
+                </a:solidFill>
+              </a14:hiddenFill>
+            </a:ext>
+          </a:extLst>
+        </p:spPr>
+      </p:pic>
+      <p:pic>
+        <p:nvPicPr>
+          <p:cNvPr id="2060" name="Picture 12" descr="IBM icon download | Free icons, app icons"/>
+          <p:cNvPicPr>
+            <a:picLocks noChangeAspect="1" noChangeArrowheads="1"/>
+          </p:cNvPicPr>
+          <p:nvPr/>
+        </p:nvPicPr>
+        <p:blipFill>
+          <a:blip r:embed="rId10" cstate="print">
+            <a:extLst>
+              <a:ext uri="{28A0092B-C50C-407E-A947-70E740481C1C}">
+                <a14:useLocalDpi xmlns:a14="http://schemas.microsoft.com/office/drawing/2010/main" val="0"/>
+              </a:ext>
+            </a:extLst>
+          </a:blip>
+          <a:srcRect/>
+          <a:stretch>
+            <a:fillRect/>
+          </a:stretch>
+        </p:blipFill>
+        <p:spPr bwMode="auto">
+          <a:xfrm>
+            <a:off x="2612742" y="4908144"/>
+            <a:ext cx="521478" cy="521478"/>
+          </a:xfrm>
+          <a:prstGeom prst="rect">
+            <a:avLst/>
+          </a:prstGeom>
+          <a:noFill/>
+          <a:extLst>
+            <a:ext uri="{909E8E84-426E-40DD-AFC4-6F175D3DCCD1}">
+              <a14:hiddenFill xmlns:a14="http://schemas.microsoft.com/office/drawing/2010/main">
+                <a:solidFill>
+                  <a:srgbClr val="FFFFFF"/>
+                </a:solidFill>
+              </a14:hiddenFill>
+            </a:ext>
+          </a:extLst>
+        </p:spPr>
+      </p:pic>
+    </p:spTree>
+    <p:extLst>
+      <p:ext uri="{BB962C8B-B14F-4D97-AF65-F5344CB8AC3E}">
+        <p14:creationId xmlns:p14="http://schemas.microsoft.com/office/powerpoint/2010/main" val="1701805757"/>
+      </p:ext>
+    </p:extLst>
+  </p:cSld>
+  <p:clrMapOvr>
+    <a:masterClrMapping/>
+  </p:clrMapOvr>
+  <mc:AlternateContent xmlns:mc="http://schemas.openxmlformats.org/markup-compatibility/2006" xmlns:p14="http://schemas.microsoft.com/office/powerpoint/2010/main">
+    <mc:Choice Requires="p14">
+      <p:transition spd="slow" p14:dur="3400">
+        <p14:reveal/>
+      </p:transition>
+    </mc:Choice>
+    <mc:Fallback xmlns="">
+      <p:transition spd="slow">
+        <p:fade/>
+      </p:transition>
+    </mc:Fallback>
+  </mc:AlternateContent>
+</p:sld>
+</file>
+
+<file path=ppt/slides/slide12.xml><?xml version="1.0" encoding="utf-8"?>
+<p:sld xmlns:a="http://schemas.openxmlformats.org/drawingml/2006/main" xmlns:r="http://schemas.openxmlformats.org/officeDocument/2006/relationships" xmlns:p="http://schemas.openxmlformats.org/presentationml/2006/main">
+  <p:cSld>
+    <p:spTree>
+      <p:nvGrpSpPr>
+        <p:cNvPr id="1" name=""/>
+        <p:cNvGrpSpPr/>
+        <p:nvPr/>
+      </p:nvGrpSpPr>
+      <p:grpSpPr>
+        <a:xfrm>
+          <a:off x="0" y="0"/>
+          <a:ext cx="0" cy="0"/>
+          <a:chOff x="0" y="0"/>
+          <a:chExt cx="0" cy="0"/>
+        </a:xfrm>
+      </p:grpSpPr>
+      <p:sp>
+        <p:nvSpPr>
+          <p:cNvPr id="2" name="Title 1">
+            <a:extLst>
+              <a:ext uri="{FF2B5EF4-FFF2-40B4-BE49-F238E27FC236}">
+                <a16:creationId xmlns:a16="http://schemas.microsoft.com/office/drawing/2014/main" id="{B77E318B-C3D7-31A4-D7E6-6023394D2441}"/>
+              </a:ext>
+            </a:extLst>
+          </p:cNvPr>
+          <p:cNvSpPr>
+            <a:spLocks noGrp="1"/>
+          </p:cNvSpPr>
+          <p:nvPr>
+            <p:ph type="title"/>
+          </p:nvPr>
+        </p:nvSpPr>
+        <p:spPr/>
+        <p:txBody>
+          <a:bodyPr/>
+          <a:lstStyle/>
+          <a:p>
+            <a:r>
+              <a:rPr lang="en-US" dirty="0"/>
+              <a:t>Effective Communication</a:t>
+            </a:r>
+            <a:endParaRPr lang="en-IN" dirty="0"/>
+          </a:p>
+        </p:txBody>
+      </p:sp>
+      <p:sp>
+        <p:nvSpPr>
+          <p:cNvPr id="3" name="Content Placeholder 2">
+            <a:extLst>
+              <a:ext uri="{FF2B5EF4-FFF2-40B4-BE49-F238E27FC236}">
+                <a16:creationId xmlns:a16="http://schemas.microsoft.com/office/drawing/2014/main" id="{92A5A550-C125-14E2-26C1-0FE13CBDDBC0}"/>
+              </a:ext>
+            </a:extLst>
+          </p:cNvPr>
+          <p:cNvSpPr>
+            <a:spLocks noGrp="1"/>
+          </p:cNvSpPr>
+          <p:nvPr>
+            <p:ph idx="1"/>
+          </p:nvPr>
+        </p:nvSpPr>
+        <p:spPr/>
+        <p:txBody>
+          <a:bodyPr/>
+          <a:lstStyle/>
+          <a:p>
+            <a:endParaRPr lang="en-IN"/>
+          </a:p>
+        </p:txBody>
+      </p:sp>
+    </p:spTree>
+    <p:extLst>
+      <p:ext uri="{BB962C8B-B14F-4D97-AF65-F5344CB8AC3E}">
+        <p14:creationId xmlns:p14="http://schemas.microsoft.com/office/powerpoint/2010/main" val="2072473214"/>
+      </p:ext>
+    </p:extLst>
+  </p:cSld>
+  <p:clrMapOvr>
+    <a:masterClrMapping/>
+  </p:clrMapOvr>
+  <mc:AlternateContent xmlns:mc="http://schemas.openxmlformats.org/markup-compatibility/2006" xmlns:p14="http://schemas.microsoft.com/office/powerpoint/2010/main">
+    <mc:Choice Requires="p14">
+      <p:transition spd="slow" p14:dur="3400">
+        <p14:reveal/>
+      </p:transition>
+    </mc:Choice>
+    <mc:Fallback xmlns="">
+      <p:transition spd="slow">
+        <p:fade/>
+      </p:transition>
+    </mc:Fallback>
+  </mc:AlternateContent>
+</p:sld>
+</file>
+
+<file path=ppt/slides/slide2.xml><?xml version="1.0" encoding="utf-8"?>
+<p:sld xmlns:a="http://schemas.openxmlformats.org/drawingml/2006/main" xmlns:r="http://schemas.openxmlformats.org/officeDocument/2006/relationships" xmlns:p="http://schemas.openxmlformats.org/presentationml/2006/main">
+  <p:cSld>
+    <p:spTree>
+      <p:nvGrpSpPr>
+        <p:cNvPr id="1" name=""/>
+        <p:cNvGrpSpPr/>
+        <p:nvPr/>
+      </p:nvGrpSpPr>
+      <p:grpSpPr>
+        <a:xfrm>
+          <a:off x="0" y="0"/>
+          <a:ext cx="0" cy="0"/>
+          <a:chOff x="0" y="0"/>
+          <a:chExt cx="0" cy="0"/>
+        </a:xfrm>
+      </p:grpSpPr>
+      <p:pic>
+        <p:nvPicPr>
+          <p:cNvPr id="1026" name="Picture 2" descr="7,062 Black Child Robot Royalty-Free Images, Stock Photos &amp; Pictures |  Shutterstock"/>
+          <p:cNvPicPr>
+            <a:picLocks noChangeAspect="1" noChangeArrowheads="1"/>
+          </p:cNvPicPr>
+          <p:nvPr/>
+        </p:nvPicPr>
+        <p:blipFill>
+          <a:blip r:embed="rId2">
+            <a:extLst>
+              <a:ext uri="{BEBA8EAE-BF5A-486C-A8C5-ECC9F3942E4B}">
+                <a14:imgProps xmlns:a14="http://schemas.microsoft.com/office/drawing/2010/main">
+                  <a14:imgLayer r:embed="rId3">
+                    <a14:imgEffect>
+                      <a14:brightnessContrast bright="-20000" contrast="-40000"/>
+                    </a14:imgEffect>
+                  </a14:imgLayer>
+                </a14:imgProps>
+              </a:ext>
+              <a:ext uri="{28A0092B-C50C-407E-A947-70E740481C1C}">
+                <a14:useLocalDpi xmlns:a14="http://schemas.microsoft.com/office/drawing/2010/main" val="0"/>
+              </a:ext>
+            </a:extLst>
+          </a:blip>
+          <a:srcRect/>
+          <a:stretch>
+            <a:fillRect/>
+          </a:stretch>
+        </p:blipFill>
+        <p:spPr bwMode="auto">
+          <a:xfrm>
+            <a:off x="0" y="0"/>
+            <a:ext cx="12192000" cy="6866627"/>
+          </a:xfrm>
+          <a:prstGeom prst="rect">
+            <a:avLst/>
+          </a:prstGeom>
+          <a:noFill/>
+          <a:extLst>
+            <a:ext uri="{909E8E84-426E-40DD-AFC4-6F175D3DCCD1}">
+              <a14:hiddenFill xmlns:a14="http://schemas.microsoft.com/office/drawing/2010/main">
+                <a:solidFill>
+                  <a:srgbClr val="FFFFFF"/>
+                </a:solidFill>
+              </a14:hiddenFill>
+            </a:ext>
+          </a:extLst>
+        </p:spPr>
+      </p:pic>
+      <p:sp>
+        <p:nvSpPr>
+          <p:cNvPr id="4" name="Rectangle 3"/>
+          <p:cNvSpPr/>
+          <p:nvPr/>
+        </p:nvSpPr>
+        <p:spPr>
+          <a:xfrm>
+            <a:off x="624090" y="4013281"/>
+            <a:ext cx="10943820" cy="707886"/>
+          </a:xfrm>
+          <a:prstGeom prst="rect">
+            <a:avLst/>
+          </a:prstGeom>
+          <a:noFill/>
+        </p:spPr>
+        <p:txBody>
+          <a:bodyPr wrap="square" lIns="91440" tIns="45720" rIns="91440" bIns="45720">
+            <a:spAutoFit/>
+          </a:bodyPr>
+          <a:lstStyle/>
+          <a:p>
+            <a:pPr algn="ctr"/>
+            <a:r>
+              <a:rPr lang="en-US" sz="4000" b="1" dirty="0">
+                <a:ln w="6600">
+                  <a:solidFill>
+                    <a:schemeClr val="accent2"/>
+                  </a:solidFill>
+                  <a:prstDash val="solid"/>
+                </a:ln>
+                <a:solidFill>
+                  <a:srgbClr val="FFFFFF"/>
+                </a:solidFill>
+                <a:effectLst>
+                  <a:outerShdw dist="38100" dir="2700000" algn="tl" rotWithShape="0">
+                    <a:schemeClr val="accent2"/>
+                  </a:outerShdw>
+                </a:effectLst>
+              </a:rPr>
+              <a:t>YOUR ONE STOP DESTINATION FOR AI &amp; ROBOTICS</a:t>
+            </a:r>
+            <a:endParaRPr lang="en-US" sz="4000" b="1" cap="none" spc="0" dirty="0">
+              <a:ln w="6600">
+                <a:solidFill>
+                  <a:schemeClr val="accent2"/>
+                </a:solidFill>
+                <a:prstDash val="solid"/>
+              </a:ln>
+              <a:solidFill>
+                <a:srgbClr val="FFFFFF"/>
+              </a:solidFill>
+              <a:effectLst>
+                <a:outerShdw dist="38100" dir="2700000" algn="tl" rotWithShape="0">
+                  <a:schemeClr val="accent2"/>
+                </a:outerShdw>
+              </a:effectLst>
+            </a:endParaRPr>
+          </a:p>
+        </p:txBody>
+      </p:sp>
+    </p:spTree>
+    <p:extLst>
+      <p:ext uri="{BB962C8B-B14F-4D97-AF65-F5344CB8AC3E}">
+        <p14:creationId xmlns:p14="http://schemas.microsoft.com/office/powerpoint/2010/main" val="2876608474"/>
+      </p:ext>
+    </p:extLst>
+  </p:cSld>
+  <p:clrMapOvr>
+    <a:masterClrMapping/>
+  </p:clrMapOvr>
+  <mc:AlternateContent xmlns:mc="http://schemas.openxmlformats.org/markup-compatibility/2006" xmlns:p14="http://schemas.microsoft.com/office/powerpoint/2010/main">
+    <mc:Choice Requires="p14">
+      <p:transition spd="slow" p14:dur="3400">
+        <p14:reveal/>
+      </p:transition>
+    </mc:Choice>
+    <mc:Fallback xmlns="">
+      <p:transition spd="slow">
+        <p:fade/>
+      </p:transition>
+    </mc:Fallback>
+  </mc:AlternateContent>
+</p:sld>
+</file>
+
+<file path=ppt/slides/slide3.xml><?xml version="1.0" encoding="utf-8"?>
+<p:sld xmlns:a="http://schemas.openxmlformats.org/drawingml/2006/main" xmlns:r="http://schemas.openxmlformats.org/officeDocument/2006/relationships" xmlns:p="http://schemas.openxmlformats.org/presentationml/2006/main">
+  <p:cSld>
+    <p:spTree>
+      <p:nvGrpSpPr>
+        <p:cNvPr id="1" name=""/>
+        <p:cNvGrpSpPr/>
+        <p:nvPr/>
+      </p:nvGrpSpPr>
+      <p:grpSpPr>
+        <a:xfrm>
+          <a:off x="0" y="0"/>
+          <a:ext cx="0" cy="0"/>
+          <a:chOff x="0" y="0"/>
+          <a:chExt cx="0" cy="0"/>
+        </a:xfrm>
+      </p:grpSpPr>
+      <p:sp>
+        <p:nvSpPr>
+          <p:cNvPr id="2" name="Title 1">
+            <a:extLst>
+              <a:ext uri="{FF2B5EF4-FFF2-40B4-BE49-F238E27FC236}">
+                <a16:creationId xmlns:a16="http://schemas.microsoft.com/office/drawing/2014/main" id="{9BDC90E7-6792-5B0B-44E4-776646CCDF77}"/>
+              </a:ext>
+            </a:extLst>
+          </p:cNvPr>
+          <p:cNvSpPr>
+            <a:spLocks noGrp="1"/>
+          </p:cNvSpPr>
+          <p:nvPr>
+            <p:ph type="title"/>
+          </p:nvPr>
+        </p:nvSpPr>
+        <p:spPr/>
+        <p:txBody>
+          <a:bodyPr/>
+          <a:lstStyle/>
+          <a:p>
+            <a:r>
+              <a:rPr lang="en-US" dirty="0"/>
+              <a:t>Our Speakers</a:t>
+            </a:r>
+            <a:endParaRPr lang="en-IN" dirty="0"/>
+          </a:p>
+        </p:txBody>
+      </p:sp>
+      <p:grpSp>
+        <p:nvGrpSpPr>
+          <p:cNvPr id="6" name="Group 5">
+            <a:extLst>
+              <a:ext uri="{FF2B5EF4-FFF2-40B4-BE49-F238E27FC236}">
+                <a16:creationId xmlns:a16="http://schemas.microsoft.com/office/drawing/2014/main" id="{19E13A2C-DA25-0272-4EFA-2200ED802DA2}"/>
+              </a:ext>
+            </a:extLst>
+          </p:cNvPr>
+          <p:cNvGrpSpPr/>
+          <p:nvPr/>
+        </p:nvGrpSpPr>
+        <p:grpSpPr>
+          <a:xfrm>
+            <a:off x="838200" y="1940768"/>
+            <a:ext cx="785327" cy="918995"/>
+            <a:chOff x="1125501" y="1987420"/>
+            <a:chExt cx="955226" cy="1152261"/>
+          </a:xfrm>
+        </p:grpSpPr>
+        <p:pic>
+          <p:nvPicPr>
+            <p:cNvPr id="4" name="Picture 3">
+              <a:extLst>
+                <a:ext uri="{FF2B5EF4-FFF2-40B4-BE49-F238E27FC236}">
+                  <a16:creationId xmlns:a16="http://schemas.microsoft.com/office/drawing/2014/main" id="{A6A35F6E-70AC-477B-DD8E-BEE177C2FDE3}"/>
+                </a:ext>
+              </a:extLst>
+            </p:cNvPr>
+            <p:cNvPicPr/>
+            <p:nvPr/>
+          </p:nvPicPr>
+          <p:blipFill>
+            <a:blip r:embed="rId2">
+              <a:extLst>
+                <a:ext uri="{28A0092B-C50C-407E-A947-70E740481C1C}">
+                  <a14:useLocalDpi xmlns:a14="http://schemas.microsoft.com/office/drawing/2010/main" val="0"/>
+                </a:ext>
+              </a:extLst>
+            </a:blip>
+            <a:stretch>
+              <a:fillRect/>
+            </a:stretch>
+          </p:blipFill>
+          <p:spPr>
+            <a:xfrm>
+              <a:off x="1125501" y="1998154"/>
+              <a:ext cx="955226" cy="1141527"/>
+            </a:xfrm>
+            <a:prstGeom prst="rect">
+              <a:avLst/>
+            </a:prstGeom>
+          </p:spPr>
+        </p:pic>
+        <p:sp>
+          <p:nvSpPr>
+            <p:cNvPr id="5" name="Rectangle 4">
+              <a:extLst>
+                <a:ext uri="{FF2B5EF4-FFF2-40B4-BE49-F238E27FC236}">
+                  <a16:creationId xmlns:a16="http://schemas.microsoft.com/office/drawing/2014/main" id="{6C546384-734D-D40B-F24A-0DB2B54340A9}"/>
+                </a:ext>
+              </a:extLst>
+            </p:cNvPr>
+            <p:cNvSpPr/>
+            <p:nvPr/>
+          </p:nvSpPr>
+          <p:spPr>
+            <a:xfrm>
+              <a:off x="1125501" y="1987420"/>
+              <a:ext cx="955226" cy="1152261"/>
+            </a:xfrm>
+            <a:prstGeom prst="rect">
+              <a:avLst/>
+            </a:prstGeom>
+            <a:gradFill>
+              <a:gsLst>
+                <a:gs pos="70000">
+                  <a:srgbClr val="FFFFFF"/>
+                </a:gs>
+                <a:gs pos="62000">
+                  <a:schemeClr val="bg1">
+                    <a:alpha val="0"/>
+                  </a:schemeClr>
+                </a:gs>
+              </a:gsLst>
+              <a:path path="circle">
+                <a:fillToRect l="50000" t="50000" r="50000" b="50000"/>
+              </a:path>
+            </a:gradFill>
+            <a:ln>
+              <a:noFill/>
+            </a:ln>
+          </p:spPr>
+          <p:style>
+            <a:lnRef idx="2">
+              <a:schemeClr val="accent1">
+                <a:shade val="50000"/>
+              </a:schemeClr>
+            </a:lnRef>
+            <a:fillRef idx="1">
+              <a:schemeClr val="accent1"/>
+            </a:fillRef>
+            <a:effectRef idx="0">
+              <a:schemeClr val="accent1"/>
+            </a:effectRef>
+            <a:fontRef idx="minor">
+              <a:schemeClr val="lt1"/>
+            </a:fontRef>
+          </p:style>
+          <p:txBody>
+            <a:bodyPr rtlCol="0" anchor="ctr"/>
+            <a:lstStyle/>
+            <a:p>
+              <a:pPr algn="ctr"/>
+              <a:endParaRPr lang="en-AU"/>
+            </a:p>
+          </p:txBody>
+        </p:sp>
+      </p:grpSp>
+      <p:sp>
+        <p:nvSpPr>
+          <p:cNvPr id="7" name="TextBox 6">
+            <a:extLst>
+              <a:ext uri="{FF2B5EF4-FFF2-40B4-BE49-F238E27FC236}">
+                <a16:creationId xmlns:a16="http://schemas.microsoft.com/office/drawing/2014/main" id="{B23043DC-6366-BF12-5D0D-3BC5A5983466}"/>
+              </a:ext>
+            </a:extLst>
+          </p:cNvPr>
+          <p:cNvSpPr txBox="1"/>
+          <p:nvPr/>
+        </p:nvSpPr>
+        <p:spPr>
+          <a:xfrm>
+            <a:off x="1782146" y="2216242"/>
+            <a:ext cx="8845329" cy="338554"/>
+          </a:xfrm>
+          <a:prstGeom prst="rect">
+            <a:avLst/>
+          </a:prstGeom>
+          <a:noFill/>
+        </p:spPr>
+        <p:txBody>
+          <a:bodyPr wrap="square" rtlCol="0">
+            <a:spAutoFit/>
+          </a:bodyPr>
+          <a:lstStyle/>
+          <a:p>
+            <a:r>
+              <a:rPr lang="en-IN" sz="1600" i="1" dirty="0">
+                <a:solidFill>
+                  <a:schemeClr val="accent1">
+                    <a:lumMod val="75000"/>
+                  </a:schemeClr>
+                </a:solidFill>
+                <a:latin typeface="Oxygen" panose="02000503000000000000" pitchFamily="2" charset="0"/>
+              </a:rPr>
+              <a:t>Bappaditya Debsingha, IoT Product Manager, TCS, 18 years of global experience in Robotics</a:t>
+            </a:r>
+          </a:p>
+        </p:txBody>
+      </p:sp>
+      <p:grpSp>
+        <p:nvGrpSpPr>
+          <p:cNvPr id="13" name="Group 12">
+            <a:extLst>
+              <a:ext uri="{FF2B5EF4-FFF2-40B4-BE49-F238E27FC236}">
+                <a16:creationId xmlns:a16="http://schemas.microsoft.com/office/drawing/2014/main" id="{F140C5E7-4FDC-4E5B-6E32-0EB4BDA70CB0}"/>
+              </a:ext>
+            </a:extLst>
+          </p:cNvPr>
+          <p:cNvGrpSpPr/>
+          <p:nvPr/>
+        </p:nvGrpSpPr>
+        <p:grpSpPr>
+          <a:xfrm>
+            <a:off x="10497030" y="2916248"/>
+            <a:ext cx="1044846" cy="1014775"/>
+            <a:chOff x="970750" y="823381"/>
+            <a:chExt cx="2061114" cy="2061580"/>
+          </a:xfrm>
+        </p:grpSpPr>
+        <p:pic>
+          <p:nvPicPr>
+            <p:cNvPr id="11" name="Picture 10">
+              <a:extLst>
+                <a:ext uri="{FF2B5EF4-FFF2-40B4-BE49-F238E27FC236}">
+                  <a16:creationId xmlns:a16="http://schemas.microsoft.com/office/drawing/2014/main" id="{4BFC65E4-C3C0-BF67-3431-5469DB117E47}"/>
+                </a:ext>
+              </a:extLst>
+            </p:cNvPr>
+            <p:cNvPicPr>
+              <a:picLocks noChangeAspect="1"/>
+            </p:cNvPicPr>
+            <p:nvPr/>
+          </p:nvPicPr>
+          <p:blipFill>
+            <a:blip r:embed="rId3"/>
+            <a:stretch>
+              <a:fillRect/>
+            </a:stretch>
+          </p:blipFill>
+          <p:spPr>
+            <a:xfrm>
+              <a:off x="1066421" y="1011288"/>
+              <a:ext cx="1869772" cy="1867492"/>
+            </a:xfrm>
+            <a:prstGeom prst="rect">
+              <a:avLst/>
+            </a:prstGeom>
+          </p:spPr>
+        </p:pic>
+        <p:sp>
+          <p:nvSpPr>
+            <p:cNvPr id="12" name="Rectangle 11">
+              <a:extLst>
+                <a:ext uri="{FF2B5EF4-FFF2-40B4-BE49-F238E27FC236}">
+                  <a16:creationId xmlns:a16="http://schemas.microsoft.com/office/drawing/2014/main" id="{887E541F-69DB-2858-FB1B-AFAE14F3B61A}"/>
+                </a:ext>
+              </a:extLst>
+            </p:cNvPr>
+            <p:cNvSpPr/>
+            <p:nvPr/>
+          </p:nvSpPr>
+          <p:spPr>
+            <a:xfrm>
+              <a:off x="970750" y="823381"/>
+              <a:ext cx="2061114" cy="2061580"/>
+            </a:xfrm>
+            <a:prstGeom prst="rect">
+              <a:avLst/>
+            </a:prstGeom>
+            <a:gradFill>
+              <a:gsLst>
+                <a:gs pos="70000">
+                  <a:srgbClr val="FFFFFF"/>
+                </a:gs>
+                <a:gs pos="62000">
+                  <a:schemeClr val="bg1">
+                    <a:alpha val="0"/>
+                  </a:schemeClr>
+                </a:gs>
+              </a:gsLst>
+              <a:path path="circle">
+                <a:fillToRect l="50000" t="50000" r="50000" b="50000"/>
+              </a:path>
+            </a:gradFill>
+            <a:ln>
+              <a:noFill/>
+            </a:ln>
+          </p:spPr>
+          <p:style>
+            <a:lnRef idx="2">
+              <a:schemeClr val="accent1">
+                <a:shade val="50000"/>
+              </a:schemeClr>
+            </a:lnRef>
+            <a:fillRef idx="1">
+              <a:schemeClr val="accent1"/>
+            </a:fillRef>
+            <a:effectRef idx="0">
+              <a:schemeClr val="accent1"/>
+            </a:effectRef>
+            <a:fontRef idx="minor">
+              <a:schemeClr val="lt1"/>
+            </a:fontRef>
+          </p:style>
+          <p:txBody>
+            <a:bodyPr rtlCol="0" anchor="ctr"/>
+            <a:lstStyle/>
+            <a:p>
+              <a:pPr algn="ctr"/>
+              <a:endParaRPr lang="en-AU"/>
+            </a:p>
+          </p:txBody>
+        </p:sp>
+      </p:grpSp>
+      <p:sp>
+        <p:nvSpPr>
+          <p:cNvPr id="14" name="TextBox 13">
+            <a:extLst>
+              <a:ext uri="{FF2B5EF4-FFF2-40B4-BE49-F238E27FC236}">
+                <a16:creationId xmlns:a16="http://schemas.microsoft.com/office/drawing/2014/main" id="{FCB98082-5E33-5BF4-8FFF-4857212E1142}"/>
+              </a:ext>
+            </a:extLst>
+          </p:cNvPr>
+          <p:cNvSpPr txBox="1"/>
+          <p:nvPr/>
+        </p:nvSpPr>
+        <p:spPr>
+          <a:xfrm>
+            <a:off x="1476375" y="3251459"/>
+            <a:ext cx="8845329" cy="338554"/>
+          </a:xfrm>
+          <a:prstGeom prst="rect">
+            <a:avLst/>
+          </a:prstGeom>
+          <a:noFill/>
+        </p:spPr>
+        <p:txBody>
+          <a:bodyPr wrap="square" rtlCol="0">
+            <a:spAutoFit/>
+          </a:bodyPr>
+          <a:lstStyle/>
+          <a:p>
+            <a:r>
+              <a:rPr lang="en-IN" sz="1600" i="1" dirty="0">
+                <a:solidFill>
+                  <a:schemeClr val="accent1">
+                    <a:lumMod val="75000"/>
+                  </a:schemeClr>
+                </a:solidFill>
+                <a:latin typeface="Oxygen" panose="02000503000000000000" pitchFamily="2" charset="0"/>
+              </a:rPr>
+              <a:t>Anirban Chakrabarty, C.E.O. of Anodiam, 24 years of experience in IT, Corporate grooming &amp; AI</a:t>
+            </a:r>
+          </a:p>
+        </p:txBody>
+      </p:sp>
+    </p:spTree>
+    <p:extLst>
+      <p:ext uri="{BB962C8B-B14F-4D97-AF65-F5344CB8AC3E}">
+        <p14:creationId xmlns:p14="http://schemas.microsoft.com/office/powerpoint/2010/main" val="3507043078"/>
+      </p:ext>
+    </p:extLst>
+  </p:cSld>
+  <p:clrMapOvr>
+    <a:masterClrMapping/>
+  </p:clrMapOvr>
+  <mc:AlternateContent xmlns:mc="http://schemas.openxmlformats.org/markup-compatibility/2006" xmlns:p14="http://schemas.microsoft.com/office/powerpoint/2010/main">
+    <mc:Choice Requires="p14">
+      <p:transition spd="slow" p14:dur="3400">
+        <p14:reveal/>
+      </p:transition>
+    </mc:Choice>
+    <mc:Fallback xmlns="">
+      <p:transition spd="slow">
+        <p:fade/>
+      </p:transition>
+    </mc:Fallback>
+  </mc:AlternateContent>
+</p:sld>
+</file>
+
+<file path=ppt/slides/slide4.xml><?xml version="1.0" encoding="utf-8"?>
+<p:sld xmlns:a="http://schemas.openxmlformats.org/drawingml/2006/main" xmlns:r="http://schemas.openxmlformats.org/officeDocument/2006/relationships" xmlns:p="http://schemas.openxmlformats.org/presentationml/2006/main">
+  <p:cSld>
+    <p:spTree>
+      <p:nvGrpSpPr>
+        <p:cNvPr id="1" name=""/>
+        <p:cNvGrpSpPr/>
+        <p:nvPr/>
+      </p:nvGrpSpPr>
+      <p:grpSpPr>
+        <a:xfrm>
+          <a:off x="0" y="0"/>
+          <a:ext cx="0" cy="0"/>
+          <a:chOff x="0" y="0"/>
+          <a:chExt cx="0" cy="0"/>
+        </a:xfrm>
+      </p:grpSpPr>
+      <p:sp>
+        <p:nvSpPr>
+          <p:cNvPr id="2" name="Title 1">
+            <a:extLst>
+              <a:ext uri="{FF2B5EF4-FFF2-40B4-BE49-F238E27FC236}">
+                <a16:creationId xmlns:a16="http://schemas.microsoft.com/office/drawing/2014/main" id="{B9E08677-F496-DBA5-3D59-97D67B53FAFA}"/>
+              </a:ext>
+            </a:extLst>
+          </p:cNvPr>
+          <p:cNvSpPr>
+            <a:spLocks noGrp="1"/>
+          </p:cNvSpPr>
+          <p:nvPr>
+            <p:ph type="title"/>
+          </p:nvPr>
+        </p:nvSpPr>
+        <p:spPr/>
+        <p:txBody>
+          <a:bodyPr/>
+          <a:lstStyle/>
+          <a:p>
+            <a:r>
+              <a:rPr lang="en-US" dirty="0">
+                <a:solidFill>
+                  <a:schemeClr val="accent1"/>
+                </a:solidFill>
+                <a:latin typeface="Oxygen" panose="02000503000000000000" pitchFamily="2" charset="0"/>
+              </a:rPr>
+              <a:t>You will learn from us</a:t>
+            </a:r>
+            <a:endParaRPr lang="en-IN" dirty="0">
+              <a:solidFill>
+                <a:schemeClr val="accent1"/>
+              </a:solidFill>
+              <a:latin typeface="Oxygen" panose="02000503000000000000" pitchFamily="2" charset="0"/>
+            </a:endParaRPr>
+          </a:p>
+        </p:txBody>
+      </p:sp>
+      <p:sp>
+        <p:nvSpPr>
+          <p:cNvPr id="3" name="Content Placeholder 2">
+            <a:extLst>
+              <a:ext uri="{FF2B5EF4-FFF2-40B4-BE49-F238E27FC236}">
+                <a16:creationId xmlns:a16="http://schemas.microsoft.com/office/drawing/2014/main" id="{5C8FAA53-A7E6-6BA4-8444-AB98F448EB8E}"/>
+              </a:ext>
+            </a:extLst>
+          </p:cNvPr>
+          <p:cNvSpPr>
+            <a:spLocks noGrp="1"/>
+          </p:cNvSpPr>
+          <p:nvPr>
+            <p:ph idx="1"/>
+          </p:nvPr>
+        </p:nvSpPr>
+        <p:spPr/>
+        <p:txBody>
+          <a:bodyPr/>
+          <a:lstStyle/>
+          <a:p>
+            <a:r>
+              <a:rPr lang="en-US" dirty="0"/>
+              <a:t>Problem solving skills</a:t>
+            </a:r>
+          </a:p>
+          <a:p>
+            <a:r>
+              <a:rPr lang="en-US" dirty="0"/>
+              <a:t>Creative thinking</a:t>
+            </a:r>
+          </a:p>
+          <a:p>
+            <a:r>
+              <a:rPr lang="en-US" dirty="0"/>
+              <a:t>Maths</a:t>
+            </a:r>
+          </a:p>
+          <a:p>
+            <a:r>
+              <a:rPr lang="en-US" dirty="0"/>
+              <a:t>Coding</a:t>
+            </a:r>
+          </a:p>
+          <a:p>
+            <a:r>
+              <a:rPr lang="en-US" dirty="0"/>
+              <a:t>Fundamentals of AI</a:t>
+            </a:r>
+          </a:p>
+          <a:p>
+            <a:r>
+              <a:rPr lang="en-US" dirty="0"/>
+              <a:t>Hands on Robotics</a:t>
+            </a:r>
+            <a:endParaRPr lang="en-IN" dirty="0"/>
+          </a:p>
+        </p:txBody>
+      </p:sp>
+    </p:spTree>
+    <p:extLst>
+      <p:ext uri="{BB962C8B-B14F-4D97-AF65-F5344CB8AC3E}">
+        <p14:creationId xmlns:p14="http://schemas.microsoft.com/office/powerpoint/2010/main" val="2060502072"/>
+      </p:ext>
+    </p:extLst>
+  </p:cSld>
+  <p:clrMapOvr>
+    <a:masterClrMapping/>
+  </p:clrMapOvr>
+  <mc:AlternateContent xmlns:mc="http://schemas.openxmlformats.org/markup-compatibility/2006" xmlns:p14="http://schemas.microsoft.com/office/powerpoint/2010/main">
+    <mc:Choice Requires="p14">
+      <p:transition spd="slow" p14:dur="3400">
+        <p14:reveal/>
+      </p:transition>
+    </mc:Choice>
+    <mc:Fallback xmlns="">
+      <p:transition spd="slow">
+        <p:fade/>
+      </p:transition>
+    </mc:Fallback>
+  </mc:AlternateContent>
 </p:sld>
 </file>
 
 <file path=ppt/slides/slide5.xml><?xml version="1.0" encoding="utf-8"?>
+<p:sld xmlns:a="http://schemas.openxmlformats.org/drawingml/2006/main" xmlns:r="http://schemas.openxmlformats.org/officeDocument/2006/relationships" xmlns:p="http://schemas.openxmlformats.org/presentationml/2006/main">
+  <p:cSld>
+    <p:spTree>
+      <p:nvGrpSpPr>
+        <p:cNvPr id="1" name=""/>
+        <p:cNvGrpSpPr/>
+        <p:nvPr/>
+      </p:nvGrpSpPr>
+      <p:grpSpPr>
+        <a:xfrm>
+          <a:off x="0" y="0"/>
+          <a:ext cx="0" cy="0"/>
+          <a:chOff x="0" y="0"/>
+          <a:chExt cx="0" cy="0"/>
+        </a:xfrm>
+      </p:grpSpPr>
+      <p:sp>
+        <p:nvSpPr>
+          <p:cNvPr id="2" name="Title 1">
+            <a:extLst>
+              <a:ext uri="{FF2B5EF4-FFF2-40B4-BE49-F238E27FC236}">
+                <a16:creationId xmlns:a16="http://schemas.microsoft.com/office/drawing/2014/main" id="{9E85BC7E-6B2A-D0DE-539C-C2A7B3EDB46D}"/>
+              </a:ext>
+            </a:extLst>
+          </p:cNvPr>
+          <p:cNvSpPr>
+            <a:spLocks noGrp="1"/>
+          </p:cNvSpPr>
+          <p:nvPr>
+            <p:ph type="title"/>
+          </p:nvPr>
+        </p:nvSpPr>
+        <p:spPr/>
+        <p:txBody>
+          <a:bodyPr/>
+          <a:lstStyle/>
+          <a:p>
+            <a:r>
+              <a:rPr lang="en-US" dirty="0"/>
+              <a:t>Abhishek</a:t>
+            </a:r>
+            <a:endParaRPr lang="en-IN" dirty="0"/>
+          </a:p>
+        </p:txBody>
+      </p:sp>
+      <p:sp>
+        <p:nvSpPr>
+          <p:cNvPr id="3" name="Content Placeholder 2">
+            <a:extLst>
+              <a:ext uri="{FF2B5EF4-FFF2-40B4-BE49-F238E27FC236}">
+                <a16:creationId xmlns:a16="http://schemas.microsoft.com/office/drawing/2014/main" id="{1FC9F03C-2F9E-8423-A103-B50C9A4BE910}"/>
+              </a:ext>
+            </a:extLst>
+          </p:cNvPr>
+          <p:cNvSpPr>
+            <a:spLocks noGrp="1"/>
+          </p:cNvSpPr>
+          <p:nvPr>
+            <p:ph idx="1"/>
+          </p:nvPr>
+        </p:nvSpPr>
+        <p:spPr/>
+        <p:txBody>
+          <a:bodyPr/>
+          <a:lstStyle/>
+          <a:p>
+            <a:endParaRPr lang="en-IN"/>
+          </a:p>
+        </p:txBody>
+      </p:sp>
+    </p:spTree>
+    <p:extLst>
+      <p:ext uri="{BB962C8B-B14F-4D97-AF65-F5344CB8AC3E}">
+        <p14:creationId xmlns:p14="http://schemas.microsoft.com/office/powerpoint/2010/main" val="3570124692"/>
+      </p:ext>
+    </p:extLst>
+  </p:cSld>
+  <p:clrMapOvr>
+    <a:masterClrMapping/>
+  </p:clrMapOvr>
+  <mc:AlternateContent xmlns:mc="http://schemas.openxmlformats.org/markup-compatibility/2006" xmlns:p14="http://schemas.microsoft.com/office/powerpoint/2010/main">
+    <mc:Choice Requires="p14">
+      <p:transition spd="slow" p14:dur="3400">
+        <p14:reveal/>
+      </p:transition>
+    </mc:Choice>
+    <mc:Fallback xmlns="">
+      <p:transition spd="slow">
+        <p:fade/>
+      </p:transition>
+    </mc:Fallback>
+  </mc:AlternateContent>
+</p:sld>
+</file>
+
+<file path=ppt/slides/slide6.xml><?xml version="1.0" encoding="utf-8"?>
+<p:sld xmlns:a="http://schemas.openxmlformats.org/drawingml/2006/main" xmlns:r="http://schemas.openxmlformats.org/officeDocument/2006/relationships" xmlns:p="http://schemas.openxmlformats.org/presentationml/2006/main">
+  <p:cSld>
+    <p:spTree>
+      <p:nvGrpSpPr>
+        <p:cNvPr id="1" name=""/>
+        <p:cNvGrpSpPr/>
+        <p:nvPr/>
+      </p:nvGrpSpPr>
+      <p:grpSpPr>
+        <a:xfrm>
+          <a:off x="0" y="0"/>
+          <a:ext cx="0" cy="0"/>
+          <a:chOff x="0" y="0"/>
+          <a:chExt cx="0" cy="0"/>
+        </a:xfrm>
+      </p:grpSpPr>
+      <p:sp>
+        <p:nvSpPr>
+          <p:cNvPr id="2" name="Title 1">
+            <a:extLst>
+              <a:ext uri="{FF2B5EF4-FFF2-40B4-BE49-F238E27FC236}">
+                <a16:creationId xmlns:a16="http://schemas.microsoft.com/office/drawing/2014/main" id="{B70C77E6-30E5-B6BA-11D0-5B47737E040A}"/>
+              </a:ext>
+            </a:extLst>
+          </p:cNvPr>
+          <p:cNvSpPr>
+            <a:spLocks noGrp="1"/>
+          </p:cNvSpPr>
+          <p:nvPr>
+            <p:ph type="title"/>
+          </p:nvPr>
+        </p:nvSpPr>
+        <p:spPr/>
+        <p:txBody>
+          <a:bodyPr/>
+          <a:lstStyle/>
+          <a:p>
+            <a:r>
+              <a:rPr lang="en-US" dirty="0"/>
+              <a:t>Abhishek</a:t>
+            </a:r>
+            <a:endParaRPr lang="en-IN" dirty="0"/>
+          </a:p>
+        </p:txBody>
+      </p:sp>
+      <p:sp>
+        <p:nvSpPr>
+          <p:cNvPr id="3" name="Content Placeholder 2">
+            <a:extLst>
+              <a:ext uri="{FF2B5EF4-FFF2-40B4-BE49-F238E27FC236}">
+                <a16:creationId xmlns:a16="http://schemas.microsoft.com/office/drawing/2014/main" id="{AB9E50C8-B6FE-E5DA-EA0D-2E344B8FD436}"/>
+              </a:ext>
+            </a:extLst>
+          </p:cNvPr>
+          <p:cNvSpPr>
+            <a:spLocks noGrp="1"/>
+          </p:cNvSpPr>
+          <p:nvPr>
+            <p:ph idx="1"/>
+          </p:nvPr>
+        </p:nvSpPr>
+        <p:spPr/>
+        <p:txBody>
+          <a:bodyPr/>
+          <a:lstStyle/>
+          <a:p>
+            <a:endParaRPr lang="en-IN"/>
+          </a:p>
+        </p:txBody>
+      </p:sp>
+    </p:spTree>
+    <p:extLst>
+      <p:ext uri="{BB962C8B-B14F-4D97-AF65-F5344CB8AC3E}">
+        <p14:creationId xmlns:p14="http://schemas.microsoft.com/office/powerpoint/2010/main" val="822273143"/>
+      </p:ext>
+    </p:extLst>
+  </p:cSld>
+  <p:clrMapOvr>
+    <a:masterClrMapping/>
+  </p:clrMapOvr>
+  <mc:AlternateContent xmlns:mc="http://schemas.openxmlformats.org/markup-compatibility/2006" xmlns:p14="http://schemas.microsoft.com/office/powerpoint/2010/main">
+    <mc:Choice Requires="p14">
+      <p:transition spd="slow" p14:dur="3400">
+        <p14:reveal/>
+      </p:transition>
+    </mc:Choice>
+    <mc:Fallback xmlns="">
+      <p:transition spd="slow">
+        <p:fade/>
+      </p:transition>
+    </mc:Fallback>
+  </mc:AlternateContent>
+</p:sld>
+</file>
+
+<file path=ppt/slides/slide7.xml><?xml version="1.0" encoding="utf-8"?>
+<p:sld xmlns:a="http://schemas.openxmlformats.org/drawingml/2006/main" xmlns:r="http://schemas.openxmlformats.org/officeDocument/2006/relationships" xmlns:p="http://schemas.openxmlformats.org/presentationml/2006/main">
+  <p:cSld>
+    <p:spTree>
+      <p:nvGrpSpPr>
+        <p:cNvPr id="1" name=""/>
+        <p:cNvGrpSpPr/>
+        <p:nvPr/>
+      </p:nvGrpSpPr>
+      <p:grpSpPr>
+        <a:xfrm>
+          <a:off x="0" y="0"/>
+          <a:ext cx="0" cy="0"/>
+          <a:chOff x="0" y="0"/>
+          <a:chExt cx="0" cy="0"/>
+        </a:xfrm>
+      </p:grpSpPr>
+      <p:sp>
+        <p:nvSpPr>
+          <p:cNvPr id="2" name="Title 1">
+            <a:extLst>
+              <a:ext uri="{FF2B5EF4-FFF2-40B4-BE49-F238E27FC236}">
+                <a16:creationId xmlns:a16="http://schemas.microsoft.com/office/drawing/2014/main" id="{E173A67D-AD05-CC25-3D20-741E5D56B1D1}"/>
+              </a:ext>
+            </a:extLst>
+          </p:cNvPr>
+          <p:cNvSpPr>
+            <a:spLocks noGrp="1"/>
+          </p:cNvSpPr>
+          <p:nvPr>
+            <p:ph type="title"/>
+          </p:nvPr>
+        </p:nvSpPr>
+        <p:spPr/>
+        <p:txBody>
+          <a:bodyPr/>
+          <a:lstStyle/>
+          <a:p>
+            <a:r>
+              <a:rPr lang="en-US" dirty="0" err="1"/>
+              <a:t>Bappa</a:t>
+            </a:r>
+            <a:endParaRPr lang="en-IN" dirty="0"/>
+          </a:p>
+        </p:txBody>
+      </p:sp>
+      <p:sp>
+        <p:nvSpPr>
+          <p:cNvPr id="3" name="Content Placeholder 2">
+            <a:extLst>
+              <a:ext uri="{FF2B5EF4-FFF2-40B4-BE49-F238E27FC236}">
+                <a16:creationId xmlns:a16="http://schemas.microsoft.com/office/drawing/2014/main" id="{D853B3CC-BFE2-96B5-68A0-2A1AC07AE8E6}"/>
+              </a:ext>
+            </a:extLst>
+          </p:cNvPr>
+          <p:cNvSpPr>
+            <a:spLocks noGrp="1"/>
+          </p:cNvSpPr>
+          <p:nvPr>
+            <p:ph idx="1"/>
+          </p:nvPr>
+        </p:nvSpPr>
+        <p:spPr/>
+        <p:txBody>
+          <a:bodyPr/>
+          <a:lstStyle/>
+          <a:p>
+            <a:endParaRPr lang="en-IN"/>
+          </a:p>
+        </p:txBody>
+      </p:sp>
+    </p:spTree>
+    <p:extLst>
+      <p:ext uri="{BB962C8B-B14F-4D97-AF65-F5344CB8AC3E}">
+        <p14:creationId xmlns:p14="http://schemas.microsoft.com/office/powerpoint/2010/main" val="1160930209"/>
+      </p:ext>
+    </p:extLst>
+  </p:cSld>
+  <p:clrMapOvr>
+    <a:masterClrMapping/>
+  </p:clrMapOvr>
+  <mc:AlternateContent xmlns:mc="http://schemas.openxmlformats.org/markup-compatibility/2006" xmlns:p14="http://schemas.microsoft.com/office/powerpoint/2010/main">
+    <mc:Choice Requires="p14">
+      <p:transition spd="slow" p14:dur="3400">
+        <p14:reveal/>
+      </p:transition>
+    </mc:Choice>
+    <mc:Fallback xmlns="">
+      <p:transition spd="slow">
+        <p:fade/>
+      </p:transition>
+    </mc:Fallback>
+  </mc:AlternateContent>
+</p:sld>
+</file>
+
+<file path=ppt/slides/slide8.xml><?xml version="1.0" encoding="utf-8"?>
+<p:sld xmlns:a="http://schemas.openxmlformats.org/drawingml/2006/main" xmlns:r="http://schemas.openxmlformats.org/officeDocument/2006/relationships" xmlns:p="http://schemas.openxmlformats.org/presentationml/2006/main">
+  <p:cSld>
+    <p:spTree>
+      <p:nvGrpSpPr>
+        <p:cNvPr id="1" name=""/>
+        <p:cNvGrpSpPr/>
+        <p:nvPr/>
+      </p:nvGrpSpPr>
+      <p:grpSpPr>
+        <a:xfrm>
+          <a:off x="0" y="0"/>
+          <a:ext cx="0" cy="0"/>
+          <a:chOff x="0" y="0"/>
+          <a:chExt cx="0" cy="0"/>
+        </a:xfrm>
+      </p:grpSpPr>
+      <p:sp>
+        <p:nvSpPr>
+          <p:cNvPr id="2" name="Title 1">
+            <a:extLst>
+              <a:ext uri="{FF2B5EF4-FFF2-40B4-BE49-F238E27FC236}">
+                <a16:creationId xmlns:a16="http://schemas.microsoft.com/office/drawing/2014/main" id="{95091B8E-2D45-D422-4C89-FC94D1FE504A}"/>
+              </a:ext>
+            </a:extLst>
+          </p:cNvPr>
+          <p:cNvSpPr>
+            <a:spLocks noGrp="1"/>
+          </p:cNvSpPr>
+          <p:nvPr>
+            <p:ph type="title"/>
+          </p:nvPr>
+        </p:nvSpPr>
+        <p:spPr/>
+        <p:txBody>
+          <a:bodyPr/>
+          <a:lstStyle/>
+          <a:p>
+            <a:r>
+              <a:rPr lang="en-US" dirty="0" err="1"/>
+              <a:t>Bappa</a:t>
+            </a:r>
+            <a:endParaRPr lang="en-IN" dirty="0"/>
+          </a:p>
+        </p:txBody>
+      </p:sp>
+      <p:sp>
+        <p:nvSpPr>
+          <p:cNvPr id="3" name="Content Placeholder 2">
+            <a:extLst>
+              <a:ext uri="{FF2B5EF4-FFF2-40B4-BE49-F238E27FC236}">
+                <a16:creationId xmlns:a16="http://schemas.microsoft.com/office/drawing/2014/main" id="{E357C74F-B280-A640-ED62-CE26508F1808}"/>
+              </a:ext>
+            </a:extLst>
+          </p:cNvPr>
+          <p:cNvSpPr>
+            <a:spLocks noGrp="1"/>
+          </p:cNvSpPr>
+          <p:nvPr>
+            <p:ph idx="1"/>
+          </p:nvPr>
+        </p:nvSpPr>
+        <p:spPr/>
+        <p:txBody>
+          <a:bodyPr/>
+          <a:lstStyle/>
+          <a:p>
+            <a:endParaRPr lang="en-IN" dirty="0"/>
+          </a:p>
+        </p:txBody>
+      </p:sp>
+    </p:spTree>
+    <p:extLst>
+      <p:ext uri="{BB962C8B-B14F-4D97-AF65-F5344CB8AC3E}">
+        <p14:creationId xmlns:p14="http://schemas.microsoft.com/office/powerpoint/2010/main" val="1247075658"/>
+      </p:ext>
+    </p:extLst>
+  </p:cSld>
+  <p:clrMapOvr>
+    <a:masterClrMapping/>
+  </p:clrMapOvr>
+  <mc:AlternateContent xmlns:mc="http://schemas.openxmlformats.org/markup-compatibility/2006" xmlns:p14="http://schemas.microsoft.com/office/powerpoint/2010/main">
+    <mc:Choice Requires="p14">
+      <p:transition spd="slow" p14:dur="3400">
+        <p14:reveal/>
+      </p:transition>
+    </mc:Choice>
+    <mc:Fallback xmlns="">
+      <p:transition spd="slow">
+        <p:fade/>
+      </p:transition>
+    </mc:Fallback>
+  </mc:AlternateContent>
+</p:sld>
+</file>
+
+<file path=ppt/slides/slide9.xml><?xml version="1.0" encoding="utf-8"?>
 <p:sld xmlns:a="http://schemas.openxmlformats.org/drawingml/2006/main" xmlns:r="http://schemas.openxmlformats.org/officeDocument/2006/relationships" xmlns:p="http://schemas.openxmlformats.org/presentationml/2006/main">
   <p:cSld>
     <p:spTree>
@@ -5142,7 +6121,7 @@
           <a:lstStyle/>
           <a:p>
             <a:r>
-              <a:rPr lang="en-US" b="1" dirty="0" smtClean="0">
+              <a:rPr lang="en-US" b="1" dirty="0">
                 <a:solidFill>
                   <a:srgbClr val="00B0F0"/>
                 </a:solidFill>
@@ -5180,7 +6159,7 @@
           <a:lstStyle/>
           <a:p>
             <a:r>
-              <a:rPr lang="en-US" b="1" dirty="0" smtClean="0">
+              <a:rPr lang="en-US" b="1" dirty="0">
                 <a:solidFill>
                   <a:srgbClr val="00B0F0"/>
                 </a:solidFill>
@@ -5217,13 +6196,6 @@
       </p:transition>
     </mc:Fallback>
   </mc:AlternateContent>
-  <p:timing>
-    <p:tnLst>
-      <p:par>
-        <p:cTn id="1" dur="indefinite" restart="never" nodeType="tmRoot"/>
-      </p:par>
-    </p:tnLst>
-  </p:timing>
 </p:sld>
 </file>
 
